--- a/SubmissionMaterials/Shimmer Research Presentation.pptx
+++ b/SubmissionMaterials/Shimmer Research Presentation.pptx
@@ -5,7 +5,7 @@
     <p:sldMasterId id="2147483659" r:id="rId1"/>
   </p:sldMasterIdLst>
   <p:notesMasterIdLst>
-    <p:notesMasterId r:id="rId13"/>
+    <p:notesMasterId r:id="rId12"/>
   </p:notesMasterIdLst>
   <p:sldIdLst>
     <p:sldId id="256" r:id="rId2"/>
@@ -14,33 +14,32 @@
     <p:sldId id="278" r:id="rId5"/>
     <p:sldId id="286" r:id="rId6"/>
     <p:sldId id="285" r:id="rId7"/>
-    <p:sldId id="262" r:id="rId8"/>
-    <p:sldId id="263" r:id="rId9"/>
-    <p:sldId id="264" r:id="rId10"/>
-    <p:sldId id="274" r:id="rId11"/>
-    <p:sldId id="279" r:id="rId12"/>
+    <p:sldId id="263" r:id="rId8"/>
+    <p:sldId id="264" r:id="rId9"/>
+    <p:sldId id="274" r:id="rId10"/>
+    <p:sldId id="279" r:id="rId11"/>
   </p:sldIdLst>
   <p:sldSz cx="9144000" cy="5143500" type="screen16x9"/>
   <p:notesSz cx="6858000" cy="9144000"/>
   <p:embeddedFontLst>
     <p:embeddedFont>
       <p:font typeface="Barlow" panose="020B0604020202020204" charset="0"/>
-      <p:regular r:id="rId14"/>
-      <p:bold r:id="rId15"/>
-      <p:italic r:id="rId16"/>
-      <p:boldItalic r:id="rId17"/>
+      <p:regular r:id="rId13"/>
+      <p:bold r:id="rId14"/>
+      <p:italic r:id="rId15"/>
+      <p:boldItalic r:id="rId16"/>
     </p:embeddedFont>
     <p:embeddedFont>
       <p:font typeface="Barlow Light" panose="020B0604020202020204" charset="0"/>
-      <p:regular r:id="rId18"/>
-      <p:bold r:id="rId19"/>
-      <p:italic r:id="rId20"/>
-      <p:boldItalic r:id="rId21"/>
+      <p:regular r:id="rId17"/>
+      <p:bold r:id="rId18"/>
+      <p:italic r:id="rId19"/>
+      <p:boldItalic r:id="rId20"/>
     </p:embeddedFont>
     <p:embeddedFont>
       <p:font typeface="Miriam Libre" panose="020B0604020202020204" charset="-79"/>
-      <p:regular r:id="rId22"/>
-      <p:bold r:id="rId23"/>
+      <p:regular r:id="rId21"/>
+      <p:bold r:id="rId22"/>
     </p:embeddedFont>
   </p:embeddedFontLst>
   <p:defaultTextStyle>
@@ -828,110 +827,6 @@
   <p:cSld>
     <p:spTree>
       <p:nvGrpSpPr>
-        <p:cNvPr id="1" name="Shape 413"/>
-        <p:cNvGrpSpPr/>
-        <p:nvPr/>
-      </p:nvGrpSpPr>
-      <p:grpSpPr>
-        <a:xfrm>
-          <a:off x="0" y="0"/>
-          <a:ext cx="0" cy="0"/>
-          <a:chOff x="0" y="0"/>
-          <a:chExt cx="0" cy="0"/>
-        </a:xfrm>
-      </p:grpSpPr>
-      <p:sp>
-        <p:nvSpPr>
-          <p:cNvPr id="414" name="Google Shape;414;g35ed75ccf_057:notes"/>
-          <p:cNvSpPr>
-            <a:spLocks noGrp="1" noRot="1" noChangeAspect="1"/>
-          </p:cNvSpPr>
-          <p:nvPr>
-            <p:ph type="sldImg" idx="2"/>
-          </p:nvPr>
-        </p:nvSpPr>
-        <p:spPr>
-          <a:xfrm>
-            <a:off x="381000" y="685800"/>
-            <a:ext cx="6096000" cy="3429000"/>
-          </a:xfrm>
-          <a:custGeom>
-            <a:avLst/>
-            <a:gdLst/>
-            <a:ahLst/>
-            <a:cxnLst/>
-            <a:rect l="l" t="t" r="r" b="b"/>
-            <a:pathLst>
-              <a:path w="120000" h="120000" extrusionOk="0">
-                <a:moveTo>
-                  <a:pt x="0" y="0"/>
-                </a:moveTo>
-                <a:lnTo>
-                  <a:pt x="120000" y="0"/>
-                </a:lnTo>
-                <a:lnTo>
-                  <a:pt x="120000" y="120000"/>
-                </a:lnTo>
-                <a:lnTo>
-                  <a:pt x="0" y="120000"/>
-                </a:lnTo>
-                <a:close/>
-              </a:path>
-            </a:pathLst>
-          </a:custGeom>
-        </p:spPr>
-      </p:sp>
-      <p:sp>
-        <p:nvSpPr>
-          <p:cNvPr id="415" name="Google Shape;415;g35ed75ccf_057:notes"/>
-          <p:cNvSpPr txBox="1">
-            <a:spLocks noGrp="1"/>
-          </p:cNvSpPr>
-          <p:nvPr>
-            <p:ph type="body" idx="1"/>
-          </p:nvPr>
-        </p:nvSpPr>
-        <p:spPr>
-          <a:xfrm>
-            <a:off x="685800" y="4343400"/>
-            <a:ext cx="5486400" cy="4114800"/>
-          </a:xfrm>
-          <a:prstGeom prst="rect">
-            <a:avLst/>
-          </a:prstGeom>
-        </p:spPr>
-        <p:txBody>
-          <a:bodyPr spcFirstLastPara="1" wrap="square" lIns="91425" tIns="91425" rIns="91425" bIns="91425" anchor="t" anchorCtr="0">
-            <a:noAutofit/>
-          </a:bodyPr>
-          <a:lstStyle/>
-          <a:p>
-            <a:pPr marL="0" lvl="0" indent="0" algn="l" rtl="0">
-              <a:spcBef>
-                <a:spcPts val="0"/>
-              </a:spcBef>
-              <a:spcAft>
-                <a:spcPts val="0"/>
-              </a:spcAft>
-              <a:buNone/>
-            </a:pPr>
-            <a:endParaRPr/>
-          </a:p>
-        </p:txBody>
-      </p:sp>
-    </p:spTree>
-  </p:cSld>
-  <p:clrMapOvr>
-    <a:masterClrMapping/>
-  </p:clrMapOvr>
-</p:notes>
-</file>
-
-<file path=ppt/notesSlides/notesSlide11.xml><?xml version="1.0" encoding="utf-8"?>
-<p:notes xmlns:a="http://schemas.openxmlformats.org/drawingml/2006/main" xmlns:r="http://schemas.openxmlformats.org/officeDocument/2006/relationships" xmlns:p="http://schemas.openxmlformats.org/presentationml/2006/main" showMasterSp="0" showMasterPhAnim="0">
-  <p:cSld>
-    <p:spTree>
-      <p:nvGrpSpPr>
         <p:cNvPr id="1" name="Shape 479"/>
         <p:cNvGrpSpPr/>
         <p:nvPr/>
@@ -1566,110 +1461,6 @@
   <p:cSld>
     <p:spTree>
       <p:nvGrpSpPr>
-        <p:cNvPr id="1" name="Shape 276"/>
-        <p:cNvGrpSpPr/>
-        <p:nvPr/>
-      </p:nvGrpSpPr>
-      <p:grpSpPr>
-        <a:xfrm>
-          <a:off x="0" y="0"/>
-          <a:ext cx="0" cy="0"/>
-          <a:chOff x="0" y="0"/>
-          <a:chExt cx="0" cy="0"/>
-        </a:xfrm>
-      </p:grpSpPr>
-      <p:sp>
-        <p:nvSpPr>
-          <p:cNvPr id="277" name="Google Shape;277;g35ed75ccf_015:notes"/>
-          <p:cNvSpPr>
-            <a:spLocks noGrp="1" noRot="1" noChangeAspect="1"/>
-          </p:cNvSpPr>
-          <p:nvPr>
-            <p:ph type="sldImg" idx="2"/>
-          </p:nvPr>
-        </p:nvSpPr>
-        <p:spPr>
-          <a:xfrm>
-            <a:off x="381000" y="685800"/>
-            <a:ext cx="6096000" cy="3429000"/>
-          </a:xfrm>
-          <a:custGeom>
-            <a:avLst/>
-            <a:gdLst/>
-            <a:ahLst/>
-            <a:cxnLst/>
-            <a:rect l="l" t="t" r="r" b="b"/>
-            <a:pathLst>
-              <a:path w="120000" h="120000" extrusionOk="0">
-                <a:moveTo>
-                  <a:pt x="0" y="0"/>
-                </a:moveTo>
-                <a:lnTo>
-                  <a:pt x="120000" y="0"/>
-                </a:lnTo>
-                <a:lnTo>
-                  <a:pt x="120000" y="120000"/>
-                </a:lnTo>
-                <a:lnTo>
-                  <a:pt x="0" y="120000"/>
-                </a:lnTo>
-                <a:close/>
-              </a:path>
-            </a:pathLst>
-          </a:custGeom>
-        </p:spPr>
-      </p:sp>
-      <p:sp>
-        <p:nvSpPr>
-          <p:cNvPr id="278" name="Google Shape;278;g35ed75ccf_015:notes"/>
-          <p:cNvSpPr txBox="1">
-            <a:spLocks noGrp="1"/>
-          </p:cNvSpPr>
-          <p:nvPr>
-            <p:ph type="body" idx="1"/>
-          </p:nvPr>
-        </p:nvSpPr>
-        <p:spPr>
-          <a:xfrm>
-            <a:off x="685800" y="4343400"/>
-            <a:ext cx="5486400" cy="4114800"/>
-          </a:xfrm>
-          <a:prstGeom prst="rect">
-            <a:avLst/>
-          </a:prstGeom>
-        </p:spPr>
-        <p:txBody>
-          <a:bodyPr spcFirstLastPara="1" wrap="square" lIns="91425" tIns="91425" rIns="91425" bIns="91425" anchor="t" anchorCtr="0">
-            <a:noAutofit/>
-          </a:bodyPr>
-          <a:lstStyle/>
-          <a:p>
-            <a:pPr marL="0" lvl="0" indent="0" algn="l" rtl="0">
-              <a:spcBef>
-                <a:spcPts val="0"/>
-              </a:spcBef>
-              <a:spcAft>
-                <a:spcPts val="0"/>
-              </a:spcAft>
-              <a:buNone/>
-            </a:pPr>
-            <a:endParaRPr/>
-          </a:p>
-        </p:txBody>
-      </p:sp>
-    </p:spTree>
-  </p:cSld>
-  <p:clrMapOvr>
-    <a:masterClrMapping/>
-  </p:clrMapOvr>
-</p:notes>
-</file>
-
-<file path=ppt/notesSlides/notesSlide8.xml><?xml version="1.0" encoding="utf-8"?>
-<p:notes xmlns:a="http://schemas.openxmlformats.org/drawingml/2006/main" xmlns:r="http://schemas.openxmlformats.org/officeDocument/2006/relationships" xmlns:p="http://schemas.openxmlformats.org/presentationml/2006/main" showMasterSp="0" showMasterPhAnim="0">
-  <p:cSld>
-    <p:spTree>
-      <p:nvGrpSpPr>
         <p:cNvPr id="1" name="Shape 295"/>
         <p:cNvGrpSpPr/>
         <p:nvPr/>
@@ -1769,7 +1560,7 @@
 </p:notes>
 </file>
 
-<file path=ppt/notesSlides/notesSlide9.xml><?xml version="1.0" encoding="utf-8"?>
+<file path=ppt/notesSlides/notesSlide8.xml><?xml version="1.0" encoding="utf-8"?>
 <p:notes xmlns:a="http://schemas.openxmlformats.org/drawingml/2006/main" xmlns:r="http://schemas.openxmlformats.org/officeDocument/2006/relationships" xmlns:p="http://schemas.openxmlformats.org/presentationml/2006/main" showMasterSp="0" showMasterPhAnim="0">
   <p:cSld>
     <p:spTree>
@@ -1830,6 +1621,110 @@
       <p:sp>
         <p:nvSpPr>
           <p:cNvPr id="305" name="Google Shape;305;g35f391192_045:notes"/>
+          <p:cNvSpPr txBox="1">
+            <a:spLocks noGrp="1"/>
+          </p:cNvSpPr>
+          <p:nvPr>
+            <p:ph type="body" idx="1"/>
+          </p:nvPr>
+        </p:nvSpPr>
+        <p:spPr>
+          <a:xfrm>
+            <a:off x="685800" y="4343400"/>
+            <a:ext cx="5486400" cy="4114800"/>
+          </a:xfrm>
+          <a:prstGeom prst="rect">
+            <a:avLst/>
+          </a:prstGeom>
+        </p:spPr>
+        <p:txBody>
+          <a:bodyPr spcFirstLastPara="1" wrap="square" lIns="91425" tIns="91425" rIns="91425" bIns="91425" anchor="t" anchorCtr="0">
+            <a:noAutofit/>
+          </a:bodyPr>
+          <a:lstStyle/>
+          <a:p>
+            <a:pPr marL="0" lvl="0" indent="0" algn="l" rtl="0">
+              <a:spcBef>
+                <a:spcPts val="0"/>
+              </a:spcBef>
+              <a:spcAft>
+                <a:spcPts val="0"/>
+              </a:spcAft>
+              <a:buNone/>
+            </a:pPr>
+            <a:endParaRPr/>
+          </a:p>
+        </p:txBody>
+      </p:sp>
+    </p:spTree>
+  </p:cSld>
+  <p:clrMapOvr>
+    <a:masterClrMapping/>
+  </p:clrMapOvr>
+</p:notes>
+</file>
+
+<file path=ppt/notesSlides/notesSlide9.xml><?xml version="1.0" encoding="utf-8"?>
+<p:notes xmlns:a="http://schemas.openxmlformats.org/drawingml/2006/main" xmlns:r="http://schemas.openxmlformats.org/officeDocument/2006/relationships" xmlns:p="http://schemas.openxmlformats.org/presentationml/2006/main" showMasterSp="0" showMasterPhAnim="0">
+  <p:cSld>
+    <p:spTree>
+      <p:nvGrpSpPr>
+        <p:cNvPr id="1" name="Shape 413"/>
+        <p:cNvGrpSpPr/>
+        <p:nvPr/>
+      </p:nvGrpSpPr>
+      <p:grpSpPr>
+        <a:xfrm>
+          <a:off x="0" y="0"/>
+          <a:ext cx="0" cy="0"/>
+          <a:chOff x="0" y="0"/>
+          <a:chExt cx="0" cy="0"/>
+        </a:xfrm>
+      </p:grpSpPr>
+      <p:sp>
+        <p:nvSpPr>
+          <p:cNvPr id="414" name="Google Shape;414;g35ed75ccf_057:notes"/>
+          <p:cNvSpPr>
+            <a:spLocks noGrp="1" noRot="1" noChangeAspect="1"/>
+          </p:cNvSpPr>
+          <p:nvPr>
+            <p:ph type="sldImg" idx="2"/>
+          </p:nvPr>
+        </p:nvSpPr>
+        <p:spPr>
+          <a:xfrm>
+            <a:off x="381000" y="685800"/>
+            <a:ext cx="6096000" cy="3429000"/>
+          </a:xfrm>
+          <a:custGeom>
+            <a:avLst/>
+            <a:gdLst/>
+            <a:ahLst/>
+            <a:cxnLst/>
+            <a:rect l="l" t="t" r="r" b="b"/>
+            <a:pathLst>
+              <a:path w="120000" h="120000" extrusionOk="0">
+                <a:moveTo>
+                  <a:pt x="0" y="0"/>
+                </a:moveTo>
+                <a:lnTo>
+                  <a:pt x="120000" y="0"/>
+                </a:lnTo>
+                <a:lnTo>
+                  <a:pt x="120000" y="120000"/>
+                </a:lnTo>
+                <a:lnTo>
+                  <a:pt x="0" y="120000"/>
+                </a:lnTo>
+                <a:close/>
+              </a:path>
+            </a:pathLst>
+          </a:custGeom>
+        </p:spPr>
+      </p:sp>
+      <p:sp>
+        <p:nvSpPr>
+          <p:cNvPr id="415" name="Google Shape;415;g35ed75ccf_057:notes"/>
           <p:cNvSpPr txBox="1">
             <a:spLocks noGrp="1"/>
           </p:cNvSpPr>
@@ -6337,559 +6232,6 @@
 <file path=ppt/slides/slide10.xml><?xml version="1.0" encoding="utf-8"?>
 <p:sld xmlns:a="http://schemas.openxmlformats.org/drawingml/2006/main" xmlns:r="http://schemas.openxmlformats.org/officeDocument/2006/relationships" xmlns:p="http://schemas.openxmlformats.org/presentationml/2006/main">
   <p:cSld>
-    <p:spTree>
-      <p:nvGrpSpPr>
-        <p:cNvPr id="1" name="Shape 416"/>
-        <p:cNvGrpSpPr/>
-        <p:nvPr/>
-      </p:nvGrpSpPr>
-      <p:grpSpPr>
-        <a:xfrm>
-          <a:off x="0" y="0"/>
-          <a:ext cx="0" cy="0"/>
-          <a:chOff x="0" y="0"/>
-          <a:chExt cx="0" cy="0"/>
-        </a:xfrm>
-      </p:grpSpPr>
-      <p:sp>
-        <p:nvSpPr>
-          <p:cNvPr id="417" name="Google Shape;417;p31"/>
-          <p:cNvSpPr txBox="1">
-            <a:spLocks noGrp="1"/>
-          </p:cNvSpPr>
-          <p:nvPr>
-            <p:ph type="title"/>
-          </p:nvPr>
-        </p:nvSpPr>
-        <p:spPr>
-          <a:xfrm>
-            <a:off x="457200" y="437322"/>
-            <a:ext cx="5138700" cy="1007053"/>
-          </a:xfrm>
-          <a:prstGeom prst="rect">
-            <a:avLst/>
-          </a:prstGeom>
-        </p:spPr>
-        <p:txBody>
-          <a:bodyPr spcFirstLastPara="1" wrap="square" lIns="91425" tIns="91425" rIns="91425" bIns="91425" anchor="b" anchorCtr="0">
-            <a:noAutofit/>
-          </a:bodyPr>
-          <a:lstStyle/>
-          <a:p>
-            <a:pPr marL="0" lvl="0" indent="0" algn="l" rtl="0">
-              <a:spcBef>
-                <a:spcPts val="0"/>
-              </a:spcBef>
-              <a:spcAft>
-                <a:spcPts val="0"/>
-              </a:spcAft>
-              <a:buNone/>
-            </a:pPr>
-            <a:r>
-              <a:rPr lang="en" dirty="0"/>
-              <a:t>LET’S REVIEW SOME OUTCOMES</a:t>
-            </a:r>
-            <a:endParaRPr dirty="0"/>
-          </a:p>
-        </p:txBody>
-      </p:sp>
-      <p:sp>
-        <p:nvSpPr>
-          <p:cNvPr id="418" name="Google Shape;418;p31"/>
-          <p:cNvSpPr txBox="1">
-            <a:spLocks noGrp="1"/>
-          </p:cNvSpPr>
-          <p:nvPr>
-            <p:ph type="body" idx="1"/>
-          </p:nvPr>
-        </p:nvSpPr>
-        <p:spPr>
-          <a:xfrm>
-            <a:off x="457200" y="1356775"/>
-            <a:ext cx="1656300" cy="1735500"/>
-          </a:xfrm>
-          <a:prstGeom prst="rect">
-            <a:avLst/>
-          </a:prstGeom>
-        </p:spPr>
-        <p:txBody>
-          <a:bodyPr spcFirstLastPara="1" wrap="square" lIns="91425" tIns="91425" rIns="91425" bIns="91425" anchor="t" anchorCtr="0">
-            <a:noAutofit/>
-          </a:bodyPr>
-          <a:lstStyle/>
-          <a:p>
-            <a:pPr marL="0" lvl="0" indent="0" algn="l" rtl="0">
-              <a:spcBef>
-                <a:spcPts val="600"/>
-              </a:spcBef>
-              <a:spcAft>
-                <a:spcPts val="0"/>
-              </a:spcAft>
-              <a:buNone/>
-            </a:pPr>
-            <a:r>
-              <a:rPr lang="en-AU" b="1" dirty="0"/>
-              <a:t>Rotation and Impact</a:t>
-            </a:r>
-            <a:endParaRPr b="1" dirty="0"/>
-          </a:p>
-          <a:p>
-            <a:pPr marL="0" lvl="0" indent="0" algn="l" rtl="0">
-              <a:spcBef>
-                <a:spcPts val="600"/>
-              </a:spcBef>
-              <a:spcAft>
-                <a:spcPts val="0"/>
-              </a:spcAft>
-              <a:buNone/>
-            </a:pPr>
-            <a:r>
-              <a:rPr lang="en-AU" dirty="0"/>
-              <a:t>Rotating a model in 3D space with data from the shimmer device.</a:t>
-            </a:r>
-          </a:p>
-          <a:p>
-            <a:pPr marL="0" lvl="0" indent="0" algn="l" rtl="0">
-              <a:spcBef>
-                <a:spcPts val="600"/>
-              </a:spcBef>
-              <a:spcAft>
-                <a:spcPts val="0"/>
-              </a:spcAft>
-              <a:buNone/>
-            </a:pPr>
-            <a:r>
-              <a:rPr lang="en-AU" sz="1200" dirty="0"/>
-              <a:t>Detecting Impact with slider to increase/ decrease the impact threshold.</a:t>
-            </a:r>
-            <a:endParaRPr sz="1200" dirty="0"/>
-          </a:p>
-        </p:txBody>
-      </p:sp>
-      <p:sp>
-        <p:nvSpPr>
-          <p:cNvPr id="419" name="Google Shape;419;p31"/>
-          <p:cNvSpPr txBox="1">
-            <a:spLocks noGrp="1"/>
-          </p:cNvSpPr>
-          <p:nvPr>
-            <p:ph type="body" idx="2"/>
-          </p:nvPr>
-        </p:nvSpPr>
-        <p:spPr>
-          <a:xfrm>
-            <a:off x="2198350" y="1356775"/>
-            <a:ext cx="1656300" cy="1735500"/>
-          </a:xfrm>
-          <a:prstGeom prst="rect">
-            <a:avLst/>
-          </a:prstGeom>
-        </p:spPr>
-        <p:txBody>
-          <a:bodyPr spcFirstLastPara="1" wrap="square" lIns="91425" tIns="91425" rIns="91425" bIns="91425" anchor="t" anchorCtr="0">
-            <a:noAutofit/>
-          </a:bodyPr>
-          <a:lstStyle/>
-          <a:p>
-            <a:pPr marL="0" lvl="0" indent="0" algn="l" rtl="0">
-              <a:spcBef>
-                <a:spcPts val="600"/>
-              </a:spcBef>
-              <a:spcAft>
-                <a:spcPts val="0"/>
-              </a:spcAft>
-              <a:buNone/>
-            </a:pPr>
-            <a:r>
-              <a:rPr lang="en-AU" b="1" dirty="0"/>
-              <a:t>Persistence</a:t>
-            </a:r>
-            <a:endParaRPr b="1" dirty="0"/>
-          </a:p>
-          <a:p>
-            <a:pPr marL="0" lvl="0" indent="0" algn="l" rtl="0">
-              <a:spcBef>
-                <a:spcPts val="600"/>
-              </a:spcBef>
-              <a:spcAft>
-                <a:spcPts val="0"/>
-              </a:spcAft>
-              <a:buNone/>
-            </a:pPr>
-            <a:r>
-              <a:rPr lang="en-AU" sz="1200" dirty="0"/>
-              <a:t>Data from training sessions can be saved and loaded for later analysis</a:t>
-            </a:r>
-            <a:endParaRPr sz="1200" dirty="0"/>
-          </a:p>
-        </p:txBody>
-      </p:sp>
-      <p:sp>
-        <p:nvSpPr>
-          <p:cNvPr id="420" name="Google Shape;420;p31"/>
-          <p:cNvSpPr txBox="1">
-            <a:spLocks noGrp="1"/>
-          </p:cNvSpPr>
-          <p:nvPr>
-            <p:ph type="body" idx="3"/>
-          </p:nvPr>
-        </p:nvSpPr>
-        <p:spPr>
-          <a:xfrm>
-            <a:off x="3939500" y="1356775"/>
-            <a:ext cx="1656300" cy="1735500"/>
-          </a:xfrm>
-          <a:prstGeom prst="rect">
-            <a:avLst/>
-          </a:prstGeom>
-        </p:spPr>
-        <p:txBody>
-          <a:bodyPr spcFirstLastPara="1" wrap="square" lIns="91425" tIns="91425" rIns="91425" bIns="91425" anchor="t" anchorCtr="0">
-            <a:noAutofit/>
-          </a:bodyPr>
-          <a:lstStyle/>
-          <a:p>
-            <a:pPr marL="0" lvl="0" indent="0" algn="l" rtl="0">
-              <a:spcBef>
-                <a:spcPts val="600"/>
-              </a:spcBef>
-              <a:spcAft>
-                <a:spcPts val="0"/>
-              </a:spcAft>
-              <a:buNone/>
-            </a:pPr>
-            <a:r>
-              <a:rPr lang="en-AU" b="1" dirty="0"/>
-              <a:t>Connectivity</a:t>
-            </a:r>
-            <a:endParaRPr b="1" dirty="0"/>
-          </a:p>
-          <a:p>
-            <a:pPr marL="0" lvl="0" indent="0" algn="l" rtl="0">
-              <a:spcBef>
-                <a:spcPts val="600"/>
-              </a:spcBef>
-              <a:spcAft>
-                <a:spcPts val="0"/>
-              </a:spcAft>
-              <a:buNone/>
-            </a:pPr>
-            <a:r>
-              <a:rPr lang="en-AU" sz="1200" dirty="0"/>
-              <a:t>Simple connection menu and device finder menu to locate paired devices.</a:t>
-            </a:r>
-          </a:p>
-          <a:p>
-            <a:pPr marL="0" lvl="0" indent="0" algn="l" rtl="0">
-              <a:spcBef>
-                <a:spcPts val="600"/>
-              </a:spcBef>
-              <a:spcAft>
-                <a:spcPts val="0"/>
-              </a:spcAft>
-              <a:buNone/>
-            </a:pPr>
-            <a:r>
-              <a:rPr lang="en-AU" dirty="0"/>
-              <a:t>Green/red UI feedback.</a:t>
-            </a:r>
-            <a:endParaRPr sz="1200" dirty="0"/>
-          </a:p>
-          <a:p>
-            <a:pPr marL="0" lvl="0" indent="0" algn="l" rtl="0">
-              <a:spcBef>
-                <a:spcPts val="600"/>
-              </a:spcBef>
-              <a:spcAft>
-                <a:spcPts val="0"/>
-              </a:spcAft>
-              <a:buNone/>
-            </a:pPr>
-            <a:endParaRPr sz="1200" dirty="0"/>
-          </a:p>
-        </p:txBody>
-      </p:sp>
-      <p:sp>
-        <p:nvSpPr>
-          <p:cNvPr id="421" name="Google Shape;421;p31"/>
-          <p:cNvSpPr txBox="1">
-            <a:spLocks noGrp="1"/>
-          </p:cNvSpPr>
-          <p:nvPr>
-            <p:ph type="sldNum" idx="12"/>
-          </p:nvPr>
-        </p:nvSpPr>
-        <p:spPr>
-          <a:xfrm>
-            <a:off x="8808000" y="2208175"/>
-            <a:ext cx="336000" cy="727200"/>
-          </a:xfrm>
-          <a:prstGeom prst="rect">
-            <a:avLst/>
-          </a:prstGeom>
-        </p:spPr>
-        <p:txBody>
-          <a:bodyPr spcFirstLastPara="1" wrap="square" lIns="91425" tIns="91425" rIns="91425" bIns="91425" anchor="ctr" anchorCtr="0">
-            <a:noAutofit/>
-          </a:bodyPr>
-          <a:lstStyle/>
-          <a:p>
-            <a:pPr marL="0" lvl="0" indent="0" algn="ctr" rtl="0">
-              <a:spcBef>
-                <a:spcPts val="0"/>
-              </a:spcBef>
-              <a:spcAft>
-                <a:spcPts val="0"/>
-              </a:spcAft>
-              <a:buNone/>
-            </a:pPr>
-            <a:fld id="{00000000-1234-1234-1234-123412341234}" type="slidenum">
-              <a:rPr lang="en"/>
-              <a:t>10</a:t>
-            </a:fld>
-            <a:endParaRPr/>
-          </a:p>
-        </p:txBody>
-      </p:sp>
-      <p:sp>
-        <p:nvSpPr>
-          <p:cNvPr id="422" name="Google Shape;422;p31"/>
-          <p:cNvSpPr txBox="1">
-            <a:spLocks noGrp="1"/>
-          </p:cNvSpPr>
-          <p:nvPr>
-            <p:ph type="body" idx="1"/>
-          </p:nvPr>
-        </p:nvSpPr>
-        <p:spPr>
-          <a:xfrm>
-            <a:off x="457200" y="3109375"/>
-            <a:ext cx="1656300" cy="1735500"/>
-          </a:xfrm>
-          <a:prstGeom prst="rect">
-            <a:avLst/>
-          </a:prstGeom>
-        </p:spPr>
-        <p:txBody>
-          <a:bodyPr spcFirstLastPara="1" wrap="square" lIns="91425" tIns="91425" rIns="91425" bIns="91425" anchor="t" anchorCtr="0">
-            <a:noAutofit/>
-          </a:bodyPr>
-          <a:lstStyle/>
-          <a:p>
-            <a:pPr marL="0" lvl="0" indent="0" algn="l" rtl="0">
-              <a:spcBef>
-                <a:spcPts val="600"/>
-              </a:spcBef>
-              <a:spcAft>
-                <a:spcPts val="0"/>
-              </a:spcAft>
-              <a:buNone/>
-            </a:pPr>
-            <a:r>
-              <a:rPr lang="en-AU" b="1" dirty="0"/>
-              <a:t>Streaming</a:t>
-            </a:r>
-            <a:endParaRPr b="1" dirty="0"/>
-          </a:p>
-          <a:p>
-            <a:pPr marL="0" lvl="0" indent="0" algn="l" rtl="0">
-              <a:spcBef>
-                <a:spcPts val="600"/>
-              </a:spcBef>
-              <a:spcAft>
-                <a:spcPts val="0"/>
-              </a:spcAft>
-              <a:buNone/>
-            </a:pPr>
-            <a:r>
-              <a:rPr lang="en" dirty="0"/>
-              <a:t>Start/Stop streaming and simple </a:t>
-            </a:r>
-            <a:r>
-              <a:rPr lang="en-AU" dirty="0"/>
-              <a:t>green/red</a:t>
-            </a:r>
-            <a:r>
-              <a:rPr lang="en" dirty="0"/>
-              <a:t> UI feedback</a:t>
-            </a:r>
-            <a:endParaRPr sz="1200" dirty="0"/>
-          </a:p>
-        </p:txBody>
-      </p:sp>
-      <p:sp>
-        <p:nvSpPr>
-          <p:cNvPr id="423" name="Google Shape;423;p31"/>
-          <p:cNvSpPr txBox="1">
-            <a:spLocks noGrp="1"/>
-          </p:cNvSpPr>
-          <p:nvPr>
-            <p:ph type="body" idx="2"/>
-          </p:nvPr>
-        </p:nvSpPr>
-        <p:spPr>
-          <a:xfrm>
-            <a:off x="2198350" y="3109375"/>
-            <a:ext cx="1656300" cy="1735500"/>
-          </a:xfrm>
-          <a:prstGeom prst="rect">
-            <a:avLst/>
-          </a:prstGeom>
-        </p:spPr>
-        <p:txBody>
-          <a:bodyPr spcFirstLastPara="1" wrap="square" lIns="91425" tIns="91425" rIns="91425" bIns="91425" anchor="t" anchorCtr="0">
-            <a:noAutofit/>
-          </a:bodyPr>
-          <a:lstStyle/>
-          <a:p>
-            <a:pPr marL="0" lvl="0" indent="0" algn="l" rtl="0">
-              <a:spcBef>
-                <a:spcPts val="600"/>
-              </a:spcBef>
-              <a:spcAft>
-                <a:spcPts val="0"/>
-              </a:spcAft>
-              <a:buNone/>
-            </a:pPr>
-            <a:r>
-              <a:rPr lang="en-AU" b="1" dirty="0"/>
-              <a:t>Recording</a:t>
-            </a:r>
-            <a:endParaRPr b="1" dirty="0"/>
-          </a:p>
-          <a:p>
-            <a:pPr marL="0" lvl="0" indent="0" algn="l" rtl="0">
-              <a:spcBef>
-                <a:spcPts val="600"/>
-              </a:spcBef>
-              <a:spcAft>
-                <a:spcPts val="0"/>
-              </a:spcAft>
-              <a:buNone/>
-            </a:pPr>
-            <a:r>
-              <a:rPr lang="en-AU" sz="1200" dirty="0"/>
-              <a:t>Start/Stop recording training  sessions.</a:t>
-            </a:r>
-          </a:p>
-          <a:p>
-            <a:pPr marL="0" lvl="0" indent="0" algn="l" rtl="0">
-              <a:spcBef>
-                <a:spcPts val="600"/>
-              </a:spcBef>
-              <a:spcAft>
-                <a:spcPts val="0"/>
-              </a:spcAft>
-              <a:buNone/>
-            </a:pPr>
-            <a:r>
-              <a:rPr lang="en-AU" sz="1200" dirty="0"/>
-              <a:t>Save sessions to csv file.</a:t>
-            </a:r>
-            <a:endParaRPr sz="1200" dirty="0"/>
-          </a:p>
-        </p:txBody>
-      </p:sp>
-      <p:sp>
-        <p:nvSpPr>
-          <p:cNvPr id="424" name="Google Shape;424;p31"/>
-          <p:cNvSpPr txBox="1">
-            <a:spLocks noGrp="1"/>
-          </p:cNvSpPr>
-          <p:nvPr>
-            <p:ph type="body" idx="3"/>
-          </p:nvPr>
-        </p:nvSpPr>
-        <p:spPr>
-          <a:xfrm>
-            <a:off x="3939500" y="3109375"/>
-            <a:ext cx="1656300" cy="1735500"/>
-          </a:xfrm>
-          <a:prstGeom prst="rect">
-            <a:avLst/>
-          </a:prstGeom>
-        </p:spPr>
-        <p:txBody>
-          <a:bodyPr spcFirstLastPara="1" wrap="square" lIns="91425" tIns="91425" rIns="91425" bIns="91425" anchor="t" anchorCtr="0">
-            <a:noAutofit/>
-          </a:bodyPr>
-          <a:lstStyle/>
-          <a:p>
-            <a:pPr marL="0" lvl="0" indent="0" algn="l" rtl="0">
-              <a:spcBef>
-                <a:spcPts val="600"/>
-              </a:spcBef>
-              <a:spcAft>
-                <a:spcPts val="0"/>
-              </a:spcAft>
-              <a:buNone/>
-            </a:pPr>
-            <a:r>
-              <a:rPr lang="en-AU" b="1" dirty="0"/>
-              <a:t>Playback</a:t>
-            </a:r>
-            <a:endParaRPr b="1" dirty="0"/>
-          </a:p>
-          <a:p>
-            <a:pPr marL="0" lvl="0" indent="0" algn="l" rtl="0">
-              <a:spcBef>
-                <a:spcPts val="600"/>
-              </a:spcBef>
-              <a:spcAft>
-                <a:spcPts val="0"/>
-              </a:spcAft>
-              <a:buNone/>
-            </a:pPr>
-            <a:r>
-              <a:rPr lang="en-AU" sz="1200" dirty="0"/>
-              <a:t>Load saved files and playback.</a:t>
-            </a:r>
-          </a:p>
-          <a:p>
-            <a:pPr marL="0" lvl="0" indent="0" algn="l" rtl="0">
-              <a:spcBef>
-                <a:spcPts val="600"/>
-              </a:spcBef>
-              <a:spcAft>
-                <a:spcPts val="0"/>
-              </a:spcAft>
-              <a:buNone/>
-            </a:pPr>
-            <a:r>
-              <a:rPr lang="en-AU" dirty="0"/>
-              <a:t>Set playback speed with slider.</a:t>
-            </a:r>
-            <a:r>
-              <a:rPr lang="en" sz="1200" dirty="0"/>
-              <a:t> </a:t>
-            </a:r>
-            <a:endParaRPr sz="1200" dirty="0"/>
-          </a:p>
-          <a:p>
-            <a:pPr marL="0" lvl="0" indent="0" algn="l" rtl="0">
-              <a:spcBef>
-                <a:spcPts val="600"/>
-              </a:spcBef>
-              <a:spcAft>
-                <a:spcPts val="0"/>
-              </a:spcAft>
-              <a:buNone/>
-            </a:pPr>
-            <a:endParaRPr sz="1200" dirty="0"/>
-          </a:p>
-        </p:txBody>
-      </p:sp>
-    </p:spTree>
-  </p:cSld>
-  <p:clrMapOvr>
-    <a:masterClrMapping/>
-  </p:clrMapOvr>
-</p:sld>
-</file>
-
-<file path=ppt/slides/slide11.xml><?xml version="1.0" encoding="utf-8"?>
-<p:sld xmlns:a="http://schemas.openxmlformats.org/drawingml/2006/main" xmlns:r="http://schemas.openxmlformats.org/officeDocument/2006/relationships" xmlns:p="http://schemas.openxmlformats.org/presentationml/2006/main">
-  <p:cSld>
     <p:bg>
       <p:bgPr>
         <a:blipFill>
@@ -7126,7 +6468,7 @@
             </a:pPr>
             <a:fld id="{00000000-1234-1234-1234-123412341234}" type="slidenum">
               <a:rPr lang="en"/>
-              <a:t>11</a:t>
+              <a:t>10</a:t>
             </a:fld>
             <a:endParaRPr/>
           </a:p>
@@ -12167,1102 +11509,6 @@
   <p:cSld>
     <p:spTree>
       <p:nvGrpSpPr>
-        <p:cNvPr id="1" name="Shape 279"/>
-        <p:cNvGrpSpPr/>
-        <p:nvPr/>
-      </p:nvGrpSpPr>
-      <p:grpSpPr>
-        <a:xfrm>
-          <a:off x="0" y="0"/>
-          <a:ext cx="0" cy="0"/>
-          <a:chOff x="0" y="0"/>
-          <a:chExt cx="0" cy="0"/>
-        </a:xfrm>
-      </p:grpSpPr>
-      <p:sp>
-        <p:nvSpPr>
-          <p:cNvPr id="280" name="Google Shape;280;p19"/>
-          <p:cNvSpPr txBox="1">
-            <a:spLocks noGrp="1"/>
-          </p:cNvSpPr>
-          <p:nvPr>
-            <p:ph type="ctrTitle" idx="4294967295"/>
-          </p:nvPr>
-        </p:nvSpPr>
-        <p:spPr>
-          <a:xfrm>
-            <a:off x="454550" y="162543"/>
-            <a:ext cx="2229600" cy="874593"/>
-          </a:xfrm>
-          <a:prstGeom prst="rect">
-            <a:avLst/>
-          </a:prstGeom>
-        </p:spPr>
-        <p:txBody>
-          <a:bodyPr spcFirstLastPara="1" wrap="square" lIns="91425" tIns="91425" rIns="91425" bIns="91425" anchor="b" anchorCtr="0">
-            <a:noAutofit/>
-          </a:bodyPr>
-          <a:lstStyle/>
-          <a:p>
-            <a:pPr marL="0" lvl="0" indent="0" algn="l" rtl="0">
-              <a:spcBef>
-                <a:spcPts val="0"/>
-              </a:spcBef>
-              <a:spcAft>
-                <a:spcPts val="0"/>
-              </a:spcAft>
-              <a:buNone/>
-            </a:pPr>
-            <a:r>
-              <a:rPr lang="en" sz="3600" dirty="0"/>
-              <a:t>CONCEPT</a:t>
-            </a:r>
-            <a:endParaRPr sz="3600" dirty="0"/>
-          </a:p>
-        </p:txBody>
-      </p:sp>
-      <p:sp>
-        <p:nvSpPr>
-          <p:cNvPr id="281" name="Google Shape;281;p19"/>
-          <p:cNvSpPr txBox="1">
-            <a:spLocks noGrp="1"/>
-          </p:cNvSpPr>
-          <p:nvPr>
-            <p:ph type="subTitle" idx="4294967295"/>
-          </p:nvPr>
-        </p:nvSpPr>
-        <p:spPr>
-          <a:xfrm>
-            <a:off x="454550" y="1003035"/>
-            <a:ext cx="2229600" cy="784800"/>
-          </a:xfrm>
-          <a:prstGeom prst="rect">
-            <a:avLst/>
-          </a:prstGeom>
-        </p:spPr>
-        <p:txBody>
-          <a:bodyPr spcFirstLastPara="1" wrap="square" lIns="91425" tIns="91425" rIns="91425" bIns="91425" anchor="t" anchorCtr="0">
-            <a:noAutofit/>
-          </a:bodyPr>
-          <a:lstStyle/>
-          <a:p>
-            <a:pPr marL="0" lvl="0" indent="0" algn="l" rtl="0">
-              <a:spcBef>
-                <a:spcPts val="600"/>
-              </a:spcBef>
-              <a:spcAft>
-                <a:spcPts val="0"/>
-              </a:spcAft>
-              <a:buNone/>
-            </a:pPr>
-            <a:endParaRPr sz="1800" dirty="0"/>
-          </a:p>
-        </p:txBody>
-      </p:sp>
-      <p:sp>
-        <p:nvSpPr>
-          <p:cNvPr id="294" name="Google Shape;294;p19"/>
-          <p:cNvSpPr txBox="1">
-            <a:spLocks noGrp="1"/>
-          </p:cNvSpPr>
-          <p:nvPr>
-            <p:ph type="sldNum" idx="12"/>
-          </p:nvPr>
-        </p:nvSpPr>
-        <p:spPr>
-          <a:xfrm>
-            <a:off x="8808000" y="2208175"/>
-            <a:ext cx="336000" cy="727200"/>
-          </a:xfrm>
-          <a:prstGeom prst="rect">
-            <a:avLst/>
-          </a:prstGeom>
-        </p:spPr>
-        <p:txBody>
-          <a:bodyPr spcFirstLastPara="1" wrap="square" lIns="91425" tIns="91425" rIns="91425" bIns="91425" anchor="ctr" anchorCtr="0">
-            <a:noAutofit/>
-          </a:bodyPr>
-          <a:lstStyle/>
-          <a:p>
-            <a:pPr marL="0" lvl="0" indent="0" algn="ctr" rtl="0">
-              <a:spcBef>
-                <a:spcPts val="0"/>
-              </a:spcBef>
-              <a:spcAft>
-                <a:spcPts val="0"/>
-              </a:spcAft>
-              <a:buNone/>
-            </a:pPr>
-            <a:fld id="{00000000-1234-1234-1234-123412341234}" type="slidenum">
-              <a:rPr lang="en"/>
-              <a:t>7</a:t>
-            </a:fld>
-            <a:endParaRPr/>
-          </a:p>
-        </p:txBody>
-      </p:sp>
-      <p:sp>
-        <p:nvSpPr>
-          <p:cNvPr id="2" name="Rectangle 1">
-            <a:extLst>
-              <a:ext uri="{FF2B5EF4-FFF2-40B4-BE49-F238E27FC236}">
-                <a16:creationId xmlns:a16="http://schemas.microsoft.com/office/drawing/2014/main" id="{443889A8-1C41-4F91-A062-04D69F86B1A7}"/>
-              </a:ext>
-            </a:extLst>
-          </p:cNvPr>
-          <p:cNvSpPr/>
-          <p:nvPr/>
-        </p:nvSpPr>
-        <p:spPr>
-          <a:xfrm>
-            <a:off x="5243028" y="1037136"/>
-            <a:ext cx="1554983" cy="1631216"/>
-          </a:xfrm>
-          <a:prstGeom prst="rect">
-            <a:avLst/>
-          </a:prstGeom>
-        </p:spPr>
-        <p:txBody>
-          <a:bodyPr wrap="square">
-            <a:spAutoFit/>
-          </a:bodyPr>
-          <a:lstStyle/>
-          <a:p>
-            <a:r>
-              <a:rPr lang="en" sz="10000" dirty="0">
-                <a:solidFill>
-                  <a:srgbClr val="FFFFFF"/>
-                </a:solidFill>
-                <a:latin typeface="Barlow Light"/>
-                <a:ea typeface="Barlow Light"/>
-                <a:cs typeface="Barlow Light"/>
-                <a:sym typeface="Barlow Light"/>
-              </a:rPr>
-              <a:t>🏃</a:t>
-            </a:r>
-            <a:endParaRPr lang="en-AU" sz="10000" dirty="0"/>
-          </a:p>
-        </p:txBody>
-      </p:sp>
-      <p:sp>
-        <p:nvSpPr>
-          <p:cNvPr id="18" name="Google Shape;78;p7">
-            <a:extLst>
-              <a:ext uri="{FF2B5EF4-FFF2-40B4-BE49-F238E27FC236}">
-                <a16:creationId xmlns:a16="http://schemas.microsoft.com/office/drawing/2014/main" id="{E0E7A18F-3E46-4A3F-99EC-79D2D8387A4F}"/>
-              </a:ext>
-            </a:extLst>
-          </p:cNvPr>
-          <p:cNvSpPr/>
-          <p:nvPr/>
-        </p:nvSpPr>
-        <p:spPr>
-          <a:xfrm>
-            <a:off x="6649278" y="2935375"/>
-            <a:ext cx="1152939" cy="907827"/>
-          </a:xfrm>
-          <a:custGeom>
-            <a:avLst/>
-            <a:gdLst/>
-            <a:ahLst/>
-            <a:cxnLst/>
-            <a:rect l="l" t="t" r="r" b="b"/>
-            <a:pathLst>
-              <a:path w="7439" h="5929" extrusionOk="0">
-                <a:moveTo>
-                  <a:pt x="5947" y="728"/>
-                </a:moveTo>
-                <a:lnTo>
-                  <a:pt x="5947" y="3710"/>
-                </a:lnTo>
-                <a:lnTo>
-                  <a:pt x="1492" y="3710"/>
-                </a:lnTo>
-                <a:lnTo>
-                  <a:pt x="1492" y="728"/>
-                </a:lnTo>
-                <a:close/>
-                <a:moveTo>
-                  <a:pt x="1194" y="1"/>
-                </a:moveTo>
-                <a:lnTo>
-                  <a:pt x="1101" y="38"/>
-                </a:lnTo>
-                <a:lnTo>
-                  <a:pt x="989" y="94"/>
-                </a:lnTo>
-                <a:lnTo>
-                  <a:pt x="914" y="150"/>
-                </a:lnTo>
-                <a:lnTo>
-                  <a:pt x="840" y="243"/>
-                </a:lnTo>
-                <a:lnTo>
-                  <a:pt x="802" y="336"/>
-                </a:lnTo>
-                <a:lnTo>
-                  <a:pt x="765" y="430"/>
-                </a:lnTo>
-                <a:lnTo>
-                  <a:pt x="746" y="542"/>
-                </a:lnTo>
-                <a:lnTo>
-                  <a:pt x="746" y="4437"/>
-                </a:lnTo>
-                <a:lnTo>
-                  <a:pt x="6693" y="4437"/>
-                </a:lnTo>
-                <a:lnTo>
-                  <a:pt x="6693" y="542"/>
-                </a:lnTo>
-                <a:lnTo>
-                  <a:pt x="6674" y="430"/>
-                </a:lnTo>
-                <a:lnTo>
-                  <a:pt x="6655" y="336"/>
-                </a:lnTo>
-                <a:lnTo>
-                  <a:pt x="6599" y="243"/>
-                </a:lnTo>
-                <a:lnTo>
-                  <a:pt x="6525" y="150"/>
-                </a:lnTo>
-                <a:lnTo>
-                  <a:pt x="6450" y="94"/>
-                </a:lnTo>
-                <a:lnTo>
-                  <a:pt x="6357" y="38"/>
-                </a:lnTo>
-                <a:lnTo>
-                  <a:pt x="6245" y="1"/>
-                </a:lnTo>
-                <a:close/>
-                <a:moveTo>
-                  <a:pt x="187" y="4810"/>
-                </a:moveTo>
-                <a:lnTo>
-                  <a:pt x="131" y="4829"/>
-                </a:lnTo>
-                <a:lnTo>
-                  <a:pt x="57" y="4866"/>
-                </a:lnTo>
-                <a:lnTo>
-                  <a:pt x="20" y="4941"/>
-                </a:lnTo>
-                <a:lnTo>
-                  <a:pt x="1" y="4996"/>
-                </a:lnTo>
-                <a:lnTo>
-                  <a:pt x="1" y="5183"/>
-                </a:lnTo>
-                <a:lnTo>
-                  <a:pt x="20" y="5332"/>
-                </a:lnTo>
-                <a:lnTo>
-                  <a:pt x="75" y="5481"/>
-                </a:lnTo>
-                <a:lnTo>
-                  <a:pt x="131" y="5612"/>
-                </a:lnTo>
-                <a:lnTo>
-                  <a:pt x="225" y="5705"/>
-                </a:lnTo>
-                <a:lnTo>
-                  <a:pt x="336" y="5798"/>
-                </a:lnTo>
-                <a:lnTo>
-                  <a:pt x="467" y="5873"/>
-                </a:lnTo>
-                <a:lnTo>
-                  <a:pt x="597" y="5910"/>
-                </a:lnTo>
-                <a:lnTo>
-                  <a:pt x="746" y="5928"/>
-                </a:lnTo>
-                <a:lnTo>
-                  <a:pt x="6693" y="5928"/>
-                </a:lnTo>
-                <a:lnTo>
-                  <a:pt x="6842" y="5910"/>
-                </a:lnTo>
-                <a:lnTo>
-                  <a:pt x="6972" y="5873"/>
-                </a:lnTo>
-                <a:lnTo>
-                  <a:pt x="7103" y="5798"/>
-                </a:lnTo>
-                <a:lnTo>
-                  <a:pt x="7214" y="5705"/>
-                </a:lnTo>
-                <a:lnTo>
-                  <a:pt x="7308" y="5612"/>
-                </a:lnTo>
-                <a:lnTo>
-                  <a:pt x="7382" y="5481"/>
-                </a:lnTo>
-                <a:lnTo>
-                  <a:pt x="7420" y="5332"/>
-                </a:lnTo>
-                <a:lnTo>
-                  <a:pt x="7438" y="5183"/>
-                </a:lnTo>
-                <a:lnTo>
-                  <a:pt x="7438" y="4996"/>
-                </a:lnTo>
-                <a:lnTo>
-                  <a:pt x="7420" y="4941"/>
-                </a:lnTo>
-                <a:lnTo>
-                  <a:pt x="7382" y="4866"/>
-                </a:lnTo>
-                <a:lnTo>
-                  <a:pt x="7326" y="4829"/>
-                </a:lnTo>
-                <a:lnTo>
-                  <a:pt x="7252" y="4810"/>
-                </a:lnTo>
-                <a:lnTo>
-                  <a:pt x="4437" y="4810"/>
-                </a:lnTo>
-                <a:lnTo>
-                  <a:pt x="4419" y="4903"/>
-                </a:lnTo>
-                <a:lnTo>
-                  <a:pt x="4400" y="4978"/>
-                </a:lnTo>
-                <a:lnTo>
-                  <a:pt x="4363" y="5034"/>
-                </a:lnTo>
-                <a:lnTo>
-                  <a:pt x="4325" y="5090"/>
-                </a:lnTo>
-                <a:lnTo>
-                  <a:pt x="4269" y="5127"/>
-                </a:lnTo>
-                <a:lnTo>
-                  <a:pt x="4195" y="5164"/>
-                </a:lnTo>
-                <a:lnTo>
-                  <a:pt x="4139" y="5183"/>
-                </a:lnTo>
-                <a:lnTo>
-                  <a:pt x="3263" y="5183"/>
-                </a:lnTo>
-                <a:lnTo>
-                  <a:pt x="3207" y="5146"/>
-                </a:lnTo>
-                <a:lnTo>
-                  <a:pt x="3132" y="5108"/>
-                </a:lnTo>
-                <a:lnTo>
-                  <a:pt x="3076" y="5071"/>
-                </a:lnTo>
-                <a:lnTo>
-                  <a:pt x="3039" y="5015"/>
-                </a:lnTo>
-                <a:lnTo>
-                  <a:pt x="3002" y="4941"/>
-                </a:lnTo>
-                <a:lnTo>
-                  <a:pt x="2983" y="4885"/>
-                </a:lnTo>
-                <a:lnTo>
-                  <a:pt x="2965" y="4810"/>
-                </a:lnTo>
-                <a:close/>
-              </a:path>
-            </a:pathLst>
-          </a:custGeom>
-          <a:solidFill>
-            <a:srgbClr val="434343"/>
-          </a:solidFill>
-          <a:ln>
-            <a:noFill/>
-          </a:ln>
-        </p:spPr>
-        <p:txBody>
-          <a:bodyPr spcFirstLastPara="1" wrap="square" lIns="91425" tIns="91425" rIns="91425" bIns="91425" anchor="ctr" anchorCtr="0">
-            <a:noAutofit/>
-          </a:bodyPr>
-          <a:lstStyle/>
-          <a:p>
-            <a:pPr marL="0" lvl="0" indent="0" algn="l" rtl="0">
-              <a:spcBef>
-                <a:spcPts val="0"/>
-              </a:spcBef>
-              <a:spcAft>
-                <a:spcPts val="0"/>
-              </a:spcAft>
-              <a:buNone/>
-            </a:pPr>
-            <a:endParaRPr/>
-          </a:p>
-        </p:txBody>
-      </p:sp>
-      <p:sp>
-        <p:nvSpPr>
-          <p:cNvPr id="3" name="Rectangle 2">
-            <a:extLst>
-              <a:ext uri="{FF2B5EF4-FFF2-40B4-BE49-F238E27FC236}">
-                <a16:creationId xmlns:a16="http://schemas.microsoft.com/office/drawing/2014/main" id="{576FC645-66BD-4884-8F46-B91364C4EFEE}"/>
-              </a:ext>
-            </a:extLst>
-          </p:cNvPr>
-          <p:cNvSpPr/>
-          <p:nvPr/>
-        </p:nvSpPr>
-        <p:spPr>
-          <a:xfrm>
-            <a:off x="7032425" y="3118150"/>
-            <a:ext cx="386644" cy="307777"/>
-          </a:xfrm>
-          <a:prstGeom prst="rect">
-            <a:avLst/>
-          </a:prstGeom>
-        </p:spPr>
-        <p:txBody>
-          <a:bodyPr wrap="none">
-            <a:spAutoFit/>
-          </a:bodyPr>
-          <a:lstStyle/>
-          <a:p>
-            <a:r>
-              <a:rPr lang="en" dirty="0">
-                <a:solidFill>
-                  <a:srgbClr val="FFFFFF"/>
-                </a:solidFill>
-                <a:latin typeface="Barlow Light"/>
-                <a:ea typeface="Barlow Light"/>
-                <a:cs typeface="Barlow Light"/>
-                <a:sym typeface="Barlow Light"/>
-              </a:rPr>
-              <a:t>🏃</a:t>
-            </a:r>
-            <a:endParaRPr lang="en-AU" dirty="0"/>
-          </a:p>
-        </p:txBody>
-      </p:sp>
-      <p:sp>
-        <p:nvSpPr>
-          <p:cNvPr id="20" name="Google Shape;752;p40">
-            <a:extLst>
-              <a:ext uri="{FF2B5EF4-FFF2-40B4-BE49-F238E27FC236}">
-                <a16:creationId xmlns:a16="http://schemas.microsoft.com/office/drawing/2014/main" id="{A45900D5-42B2-4437-BC22-ED58E1237E08}"/>
-              </a:ext>
-            </a:extLst>
-          </p:cNvPr>
-          <p:cNvSpPr/>
-          <p:nvPr/>
-        </p:nvSpPr>
-        <p:spPr>
-          <a:xfrm>
-            <a:off x="7265150" y="3118150"/>
-            <a:ext cx="920214" cy="992075"/>
-          </a:xfrm>
-          <a:custGeom>
-            <a:avLst/>
-            <a:gdLst/>
-            <a:ahLst/>
-            <a:cxnLst/>
-            <a:rect l="l" t="t" r="r" b="b"/>
-            <a:pathLst>
-              <a:path w="15247" h="16075" fill="none" extrusionOk="0">
-                <a:moveTo>
-                  <a:pt x="9401" y="10717"/>
-                </a:moveTo>
-                <a:lnTo>
-                  <a:pt x="9401" y="10717"/>
-                </a:lnTo>
-                <a:lnTo>
-                  <a:pt x="9085" y="10692"/>
-                </a:lnTo>
-                <a:lnTo>
-                  <a:pt x="9085" y="9596"/>
-                </a:lnTo>
-                <a:lnTo>
-                  <a:pt x="9085" y="9596"/>
-                </a:lnTo>
-                <a:lnTo>
-                  <a:pt x="9401" y="9377"/>
-                </a:lnTo>
-                <a:lnTo>
-                  <a:pt x="9718" y="9133"/>
-                </a:lnTo>
-                <a:lnTo>
-                  <a:pt x="10010" y="8866"/>
-                </a:lnTo>
-                <a:lnTo>
-                  <a:pt x="10302" y="8573"/>
-                </a:lnTo>
-                <a:lnTo>
-                  <a:pt x="10546" y="8232"/>
-                </a:lnTo>
-                <a:lnTo>
-                  <a:pt x="10765" y="7867"/>
-                </a:lnTo>
-                <a:lnTo>
-                  <a:pt x="10984" y="7502"/>
-                </a:lnTo>
-                <a:lnTo>
-                  <a:pt x="11155" y="7088"/>
-                </a:lnTo>
-                <a:lnTo>
-                  <a:pt x="11155" y="7088"/>
-                </a:lnTo>
-                <a:lnTo>
-                  <a:pt x="11228" y="7112"/>
-                </a:lnTo>
-                <a:lnTo>
-                  <a:pt x="11228" y="7112"/>
-                </a:lnTo>
-                <a:lnTo>
-                  <a:pt x="11374" y="7112"/>
-                </a:lnTo>
-                <a:lnTo>
-                  <a:pt x="11496" y="7039"/>
-                </a:lnTo>
-                <a:lnTo>
-                  <a:pt x="11617" y="6942"/>
-                </a:lnTo>
-                <a:lnTo>
-                  <a:pt x="11715" y="6771"/>
-                </a:lnTo>
-                <a:lnTo>
-                  <a:pt x="11812" y="6601"/>
-                </a:lnTo>
-                <a:lnTo>
-                  <a:pt x="11910" y="6381"/>
-                </a:lnTo>
-                <a:lnTo>
-                  <a:pt x="11958" y="6138"/>
-                </a:lnTo>
-                <a:lnTo>
-                  <a:pt x="12007" y="5870"/>
-                </a:lnTo>
-                <a:lnTo>
-                  <a:pt x="12007" y="5870"/>
-                </a:lnTo>
-                <a:lnTo>
-                  <a:pt x="12031" y="5626"/>
-                </a:lnTo>
-                <a:lnTo>
-                  <a:pt x="12007" y="5383"/>
-                </a:lnTo>
-                <a:lnTo>
-                  <a:pt x="11983" y="5188"/>
-                </a:lnTo>
-                <a:lnTo>
-                  <a:pt x="11934" y="4993"/>
-                </a:lnTo>
-                <a:lnTo>
-                  <a:pt x="11885" y="4823"/>
-                </a:lnTo>
-                <a:lnTo>
-                  <a:pt x="11812" y="4677"/>
-                </a:lnTo>
-                <a:lnTo>
-                  <a:pt x="11715" y="4579"/>
-                </a:lnTo>
-                <a:lnTo>
-                  <a:pt x="11593" y="4506"/>
-                </a:lnTo>
-                <a:lnTo>
-                  <a:pt x="11593" y="4506"/>
-                </a:lnTo>
-                <a:lnTo>
-                  <a:pt x="11666" y="4141"/>
-                </a:lnTo>
-                <a:lnTo>
-                  <a:pt x="11690" y="3800"/>
-                </a:lnTo>
-                <a:lnTo>
-                  <a:pt x="11690" y="3483"/>
-                </a:lnTo>
-                <a:lnTo>
-                  <a:pt x="11690" y="3191"/>
-                </a:lnTo>
-                <a:lnTo>
-                  <a:pt x="11666" y="2899"/>
-                </a:lnTo>
-                <a:lnTo>
-                  <a:pt x="11617" y="2631"/>
-                </a:lnTo>
-                <a:lnTo>
-                  <a:pt x="11544" y="2387"/>
-                </a:lnTo>
-                <a:lnTo>
-                  <a:pt x="11471" y="2144"/>
-                </a:lnTo>
-                <a:lnTo>
-                  <a:pt x="11374" y="1924"/>
-                </a:lnTo>
-                <a:lnTo>
-                  <a:pt x="11276" y="1705"/>
-                </a:lnTo>
-                <a:lnTo>
-                  <a:pt x="11155" y="1510"/>
-                </a:lnTo>
-                <a:lnTo>
-                  <a:pt x="11009" y="1340"/>
-                </a:lnTo>
-                <a:lnTo>
-                  <a:pt x="10862" y="1169"/>
-                </a:lnTo>
-                <a:lnTo>
-                  <a:pt x="10716" y="1023"/>
-                </a:lnTo>
-                <a:lnTo>
-                  <a:pt x="10400" y="755"/>
-                </a:lnTo>
-                <a:lnTo>
-                  <a:pt x="10034" y="561"/>
-                </a:lnTo>
-                <a:lnTo>
-                  <a:pt x="9669" y="366"/>
-                </a:lnTo>
-                <a:lnTo>
-                  <a:pt x="9304" y="244"/>
-                </a:lnTo>
-                <a:lnTo>
-                  <a:pt x="8938" y="146"/>
-                </a:lnTo>
-                <a:lnTo>
-                  <a:pt x="8573" y="73"/>
-                </a:lnTo>
-                <a:lnTo>
-                  <a:pt x="8232" y="25"/>
-                </a:lnTo>
-                <a:lnTo>
-                  <a:pt x="7915" y="0"/>
-                </a:lnTo>
-                <a:lnTo>
-                  <a:pt x="7623" y="0"/>
-                </a:lnTo>
-                <a:lnTo>
-                  <a:pt x="7623" y="0"/>
-                </a:lnTo>
-                <a:lnTo>
-                  <a:pt x="7282" y="25"/>
-                </a:lnTo>
-                <a:lnTo>
-                  <a:pt x="6990" y="98"/>
-                </a:lnTo>
-                <a:lnTo>
-                  <a:pt x="6746" y="171"/>
-                </a:lnTo>
-                <a:lnTo>
-                  <a:pt x="6527" y="293"/>
-                </a:lnTo>
-                <a:lnTo>
-                  <a:pt x="6332" y="390"/>
-                </a:lnTo>
-                <a:lnTo>
-                  <a:pt x="6186" y="536"/>
-                </a:lnTo>
-                <a:lnTo>
-                  <a:pt x="6040" y="658"/>
-                </a:lnTo>
-                <a:lnTo>
-                  <a:pt x="5943" y="780"/>
-                </a:lnTo>
-                <a:lnTo>
-                  <a:pt x="5943" y="780"/>
-                </a:lnTo>
-                <a:lnTo>
-                  <a:pt x="5943" y="780"/>
-                </a:lnTo>
-                <a:lnTo>
-                  <a:pt x="5943" y="780"/>
-                </a:lnTo>
-                <a:lnTo>
-                  <a:pt x="5553" y="853"/>
-                </a:lnTo>
-                <a:lnTo>
-                  <a:pt x="5188" y="975"/>
-                </a:lnTo>
-                <a:lnTo>
-                  <a:pt x="4871" y="1145"/>
-                </a:lnTo>
-                <a:lnTo>
-                  <a:pt x="4603" y="1316"/>
-                </a:lnTo>
-                <a:lnTo>
-                  <a:pt x="4360" y="1535"/>
-                </a:lnTo>
-                <a:lnTo>
-                  <a:pt x="4165" y="1754"/>
-                </a:lnTo>
-                <a:lnTo>
-                  <a:pt x="4019" y="2022"/>
-                </a:lnTo>
-                <a:lnTo>
-                  <a:pt x="3897" y="2290"/>
-                </a:lnTo>
-                <a:lnTo>
-                  <a:pt x="3799" y="2558"/>
-                </a:lnTo>
-                <a:lnTo>
-                  <a:pt x="3726" y="2826"/>
-                </a:lnTo>
-                <a:lnTo>
-                  <a:pt x="3678" y="3118"/>
-                </a:lnTo>
-                <a:lnTo>
-                  <a:pt x="3629" y="3410"/>
-                </a:lnTo>
-                <a:lnTo>
-                  <a:pt x="3629" y="3702"/>
-                </a:lnTo>
-                <a:lnTo>
-                  <a:pt x="3629" y="3970"/>
-                </a:lnTo>
-                <a:lnTo>
-                  <a:pt x="3678" y="4482"/>
-                </a:lnTo>
-                <a:lnTo>
-                  <a:pt x="3678" y="4482"/>
-                </a:lnTo>
-                <a:lnTo>
-                  <a:pt x="3678" y="4506"/>
-                </a:lnTo>
-                <a:lnTo>
-                  <a:pt x="3678" y="4506"/>
-                </a:lnTo>
-                <a:lnTo>
-                  <a:pt x="3556" y="4555"/>
-                </a:lnTo>
-                <a:lnTo>
-                  <a:pt x="3459" y="4652"/>
-                </a:lnTo>
-                <a:lnTo>
-                  <a:pt x="3385" y="4798"/>
-                </a:lnTo>
-                <a:lnTo>
-                  <a:pt x="3312" y="4969"/>
-                </a:lnTo>
-                <a:lnTo>
-                  <a:pt x="3264" y="5164"/>
-                </a:lnTo>
-                <a:lnTo>
-                  <a:pt x="3239" y="5383"/>
-                </a:lnTo>
-                <a:lnTo>
-                  <a:pt x="3215" y="5626"/>
-                </a:lnTo>
-                <a:lnTo>
-                  <a:pt x="3239" y="5870"/>
-                </a:lnTo>
-                <a:lnTo>
-                  <a:pt x="3239" y="5870"/>
-                </a:lnTo>
-                <a:lnTo>
-                  <a:pt x="3288" y="6138"/>
-                </a:lnTo>
-                <a:lnTo>
-                  <a:pt x="3337" y="6381"/>
-                </a:lnTo>
-                <a:lnTo>
-                  <a:pt x="3434" y="6601"/>
-                </a:lnTo>
-                <a:lnTo>
-                  <a:pt x="3532" y="6771"/>
-                </a:lnTo>
-                <a:lnTo>
-                  <a:pt x="3629" y="6942"/>
-                </a:lnTo>
-                <a:lnTo>
-                  <a:pt x="3751" y="7039"/>
-                </a:lnTo>
-                <a:lnTo>
-                  <a:pt x="3873" y="7112"/>
-                </a:lnTo>
-                <a:lnTo>
-                  <a:pt x="4019" y="7112"/>
-                </a:lnTo>
-                <a:lnTo>
-                  <a:pt x="4019" y="7112"/>
-                </a:lnTo>
-                <a:lnTo>
-                  <a:pt x="4092" y="7088"/>
-                </a:lnTo>
-                <a:lnTo>
-                  <a:pt x="4092" y="7088"/>
-                </a:lnTo>
-                <a:lnTo>
-                  <a:pt x="4262" y="7502"/>
-                </a:lnTo>
-                <a:lnTo>
-                  <a:pt x="4481" y="7867"/>
-                </a:lnTo>
-                <a:lnTo>
-                  <a:pt x="4701" y="8232"/>
-                </a:lnTo>
-                <a:lnTo>
-                  <a:pt x="4969" y="8573"/>
-                </a:lnTo>
-                <a:lnTo>
-                  <a:pt x="5236" y="8866"/>
-                </a:lnTo>
-                <a:lnTo>
-                  <a:pt x="5529" y="9133"/>
-                </a:lnTo>
-                <a:lnTo>
-                  <a:pt x="5845" y="9377"/>
-                </a:lnTo>
-                <a:lnTo>
-                  <a:pt x="6162" y="9596"/>
-                </a:lnTo>
-                <a:lnTo>
-                  <a:pt x="6162" y="10668"/>
-                </a:lnTo>
-                <a:lnTo>
-                  <a:pt x="6162" y="10668"/>
-                </a:lnTo>
-                <a:lnTo>
-                  <a:pt x="5650" y="10717"/>
-                </a:lnTo>
-                <a:lnTo>
-                  <a:pt x="5650" y="10717"/>
-                </a:lnTo>
-                <a:lnTo>
-                  <a:pt x="5066" y="10814"/>
-                </a:lnTo>
-                <a:lnTo>
-                  <a:pt x="4506" y="10936"/>
-                </a:lnTo>
-                <a:lnTo>
-                  <a:pt x="3946" y="11058"/>
-                </a:lnTo>
-                <a:lnTo>
-                  <a:pt x="3410" y="11228"/>
-                </a:lnTo>
-                <a:lnTo>
-                  <a:pt x="2923" y="11423"/>
-                </a:lnTo>
-                <a:lnTo>
-                  <a:pt x="2460" y="11642"/>
-                </a:lnTo>
-                <a:lnTo>
-                  <a:pt x="2022" y="11886"/>
-                </a:lnTo>
-                <a:lnTo>
-                  <a:pt x="1632" y="12153"/>
-                </a:lnTo>
-                <a:lnTo>
-                  <a:pt x="1267" y="12421"/>
-                </a:lnTo>
-                <a:lnTo>
-                  <a:pt x="950" y="12738"/>
-                </a:lnTo>
-                <a:lnTo>
-                  <a:pt x="682" y="13079"/>
-                </a:lnTo>
-                <a:lnTo>
-                  <a:pt x="439" y="13420"/>
-                </a:lnTo>
-                <a:lnTo>
-                  <a:pt x="268" y="13810"/>
-                </a:lnTo>
-                <a:lnTo>
-                  <a:pt x="122" y="14199"/>
-                </a:lnTo>
-                <a:lnTo>
-                  <a:pt x="49" y="14638"/>
-                </a:lnTo>
-                <a:lnTo>
-                  <a:pt x="0" y="15076"/>
-                </a:lnTo>
-                <a:lnTo>
-                  <a:pt x="0" y="15076"/>
-                </a:lnTo>
-                <a:lnTo>
-                  <a:pt x="49" y="15125"/>
-                </a:lnTo>
-                <a:lnTo>
-                  <a:pt x="244" y="15222"/>
-                </a:lnTo>
-                <a:lnTo>
-                  <a:pt x="414" y="15295"/>
-                </a:lnTo>
-                <a:lnTo>
-                  <a:pt x="633" y="15393"/>
-                </a:lnTo>
-                <a:lnTo>
-                  <a:pt x="901" y="15490"/>
-                </a:lnTo>
-                <a:lnTo>
-                  <a:pt x="1267" y="15563"/>
-                </a:lnTo>
-                <a:lnTo>
-                  <a:pt x="1705" y="15661"/>
-                </a:lnTo>
-                <a:lnTo>
-                  <a:pt x="2216" y="15758"/>
-                </a:lnTo>
-                <a:lnTo>
-                  <a:pt x="2825" y="15831"/>
-                </a:lnTo>
-                <a:lnTo>
-                  <a:pt x="3556" y="15928"/>
-                </a:lnTo>
-                <a:lnTo>
-                  <a:pt x="4384" y="15977"/>
-                </a:lnTo>
-                <a:lnTo>
-                  <a:pt x="5309" y="16026"/>
-                </a:lnTo>
-                <a:lnTo>
-                  <a:pt x="6381" y="16050"/>
-                </a:lnTo>
-                <a:lnTo>
-                  <a:pt x="7599" y="16075"/>
-                </a:lnTo>
-                <a:lnTo>
-                  <a:pt x="7599" y="16075"/>
-                </a:lnTo>
-                <a:lnTo>
-                  <a:pt x="8792" y="16050"/>
-                </a:lnTo>
-                <a:lnTo>
-                  <a:pt x="9864" y="16026"/>
-                </a:lnTo>
-                <a:lnTo>
-                  <a:pt x="10814" y="15977"/>
-                </a:lnTo>
-                <a:lnTo>
-                  <a:pt x="11642" y="15928"/>
-                </a:lnTo>
-                <a:lnTo>
-                  <a:pt x="12372" y="15831"/>
-                </a:lnTo>
-                <a:lnTo>
-                  <a:pt x="12981" y="15758"/>
-                </a:lnTo>
-                <a:lnTo>
-                  <a:pt x="13517" y="15661"/>
-                </a:lnTo>
-                <a:lnTo>
-                  <a:pt x="13955" y="15563"/>
-                </a:lnTo>
-                <a:lnTo>
-                  <a:pt x="14321" y="15490"/>
-                </a:lnTo>
-                <a:lnTo>
-                  <a:pt x="14613" y="15393"/>
-                </a:lnTo>
-                <a:lnTo>
-                  <a:pt x="14832" y="15295"/>
-                </a:lnTo>
-                <a:lnTo>
-                  <a:pt x="15003" y="15222"/>
-                </a:lnTo>
-                <a:lnTo>
-                  <a:pt x="15173" y="15125"/>
-                </a:lnTo>
-                <a:lnTo>
-                  <a:pt x="15246" y="15076"/>
-                </a:lnTo>
-                <a:lnTo>
-                  <a:pt x="15246" y="15076"/>
-                </a:lnTo>
-                <a:lnTo>
-                  <a:pt x="15198" y="14613"/>
-                </a:lnTo>
-                <a:lnTo>
-                  <a:pt x="15125" y="14175"/>
-                </a:lnTo>
-                <a:lnTo>
-                  <a:pt x="15003" y="13761"/>
-                </a:lnTo>
-                <a:lnTo>
-                  <a:pt x="14832" y="13371"/>
-                </a:lnTo>
-                <a:lnTo>
-                  <a:pt x="14589" y="13006"/>
-                </a:lnTo>
-                <a:lnTo>
-                  <a:pt x="14321" y="12665"/>
-                </a:lnTo>
-                <a:lnTo>
-                  <a:pt x="14004" y="12373"/>
-                </a:lnTo>
-                <a:lnTo>
-                  <a:pt x="13639" y="12080"/>
-                </a:lnTo>
-                <a:lnTo>
-                  <a:pt x="13249" y="11813"/>
-                </a:lnTo>
-                <a:lnTo>
-                  <a:pt x="12811" y="11593"/>
-                </a:lnTo>
-                <a:lnTo>
-                  <a:pt x="12324" y="11374"/>
-                </a:lnTo>
-                <a:lnTo>
-                  <a:pt x="11812" y="11204"/>
-                </a:lnTo>
-                <a:lnTo>
-                  <a:pt x="11252" y="11033"/>
-                </a:lnTo>
-                <a:lnTo>
-                  <a:pt x="10668" y="10911"/>
-                </a:lnTo>
-                <a:lnTo>
-                  <a:pt x="10034" y="10790"/>
-                </a:lnTo>
-                <a:lnTo>
-                  <a:pt x="9401" y="10717"/>
-                </a:lnTo>
-                <a:lnTo>
-                  <a:pt x="9401" y="10717"/>
-                </a:lnTo>
-                <a:close/>
-              </a:path>
-            </a:pathLst>
-          </a:custGeom>
-          <a:noFill/>
-          <a:ln w="19050" cap="rnd" cmpd="sng">
-            <a:solidFill>
-              <a:srgbClr val="FFFFFF"/>
-            </a:solidFill>
-            <a:prstDash val="solid"/>
-            <a:round/>
-            <a:headEnd type="none" w="sm" len="sm"/>
-            <a:tailEnd type="none" w="sm" len="sm"/>
-          </a:ln>
-        </p:spPr>
-        <p:txBody>
-          <a:bodyPr spcFirstLastPara="1" wrap="square" lIns="91425" tIns="91425" rIns="91425" bIns="91425" anchor="ctr" anchorCtr="0">
-            <a:noAutofit/>
-          </a:bodyPr>
-          <a:lstStyle/>
-          <a:p>
-            <a:pPr marL="0" lvl="0" indent="0" algn="l" rtl="0">
-              <a:spcBef>
-                <a:spcPts val="0"/>
-              </a:spcBef>
-              <a:spcAft>
-                <a:spcPts val="0"/>
-              </a:spcAft>
-              <a:buNone/>
-            </a:pPr>
-            <a:endParaRPr/>
-          </a:p>
-        </p:txBody>
-      </p:sp>
-    </p:spTree>
-  </p:cSld>
-  <p:clrMapOvr>
-    <a:masterClrMapping/>
-  </p:clrMapOvr>
-</p:sld>
-</file>
-
-<file path=ppt/slides/slide8.xml><?xml version="1.0" encoding="utf-8"?>
-<p:sld xmlns:a="http://schemas.openxmlformats.org/drawingml/2006/main" xmlns:r="http://schemas.openxmlformats.org/officeDocument/2006/relationships" xmlns:p="http://schemas.openxmlformats.org/presentationml/2006/main">
-  <p:cSld>
-    <p:spTree>
-      <p:nvGrpSpPr>
         <p:cNvPr id="1" name="Shape 298"/>
         <p:cNvGrpSpPr/>
         <p:nvPr/>
@@ -13464,7 +11710,7 @@
             </a:pPr>
             <a:fld id="{00000000-1234-1234-1234-123412341234}" type="slidenum">
               <a:rPr lang="en"/>
-              <a:t>8</a:t>
+              <a:t>7</a:t>
             </a:fld>
             <a:endParaRPr/>
           </a:p>
@@ -13478,7 +11724,7 @@
 </p:sld>
 </file>
 
-<file path=ppt/slides/slide9.xml><?xml version="1.0" encoding="utf-8"?>
+<file path=ppt/slides/slide8.xml><?xml version="1.0" encoding="utf-8"?>
 <p:sld xmlns:a="http://schemas.openxmlformats.org/drawingml/2006/main" xmlns:r="http://schemas.openxmlformats.org/officeDocument/2006/relationships" xmlns:p="http://schemas.openxmlformats.org/presentationml/2006/main">
   <p:cSld>
     <p:spTree>
@@ -13789,9 +12035,562 @@
             </a:pPr>
             <a:fld id="{00000000-1234-1234-1234-123412341234}" type="slidenum">
               <a:rPr lang="en"/>
+              <a:t>8</a:t>
+            </a:fld>
+            <a:endParaRPr/>
+          </a:p>
+        </p:txBody>
+      </p:sp>
+    </p:spTree>
+  </p:cSld>
+  <p:clrMapOvr>
+    <a:masterClrMapping/>
+  </p:clrMapOvr>
+</p:sld>
+</file>
+
+<file path=ppt/slides/slide9.xml><?xml version="1.0" encoding="utf-8"?>
+<p:sld xmlns:a="http://schemas.openxmlformats.org/drawingml/2006/main" xmlns:r="http://schemas.openxmlformats.org/officeDocument/2006/relationships" xmlns:p="http://schemas.openxmlformats.org/presentationml/2006/main">
+  <p:cSld>
+    <p:spTree>
+      <p:nvGrpSpPr>
+        <p:cNvPr id="1" name="Shape 416"/>
+        <p:cNvGrpSpPr/>
+        <p:nvPr/>
+      </p:nvGrpSpPr>
+      <p:grpSpPr>
+        <a:xfrm>
+          <a:off x="0" y="0"/>
+          <a:ext cx="0" cy="0"/>
+          <a:chOff x="0" y="0"/>
+          <a:chExt cx="0" cy="0"/>
+        </a:xfrm>
+      </p:grpSpPr>
+      <p:sp>
+        <p:nvSpPr>
+          <p:cNvPr id="417" name="Google Shape;417;p31"/>
+          <p:cNvSpPr txBox="1">
+            <a:spLocks noGrp="1"/>
+          </p:cNvSpPr>
+          <p:nvPr>
+            <p:ph type="title"/>
+          </p:nvPr>
+        </p:nvSpPr>
+        <p:spPr>
+          <a:xfrm>
+            <a:off x="457200" y="437322"/>
+            <a:ext cx="5138700" cy="1007053"/>
+          </a:xfrm>
+          <a:prstGeom prst="rect">
+            <a:avLst/>
+          </a:prstGeom>
+        </p:spPr>
+        <p:txBody>
+          <a:bodyPr spcFirstLastPara="1" wrap="square" lIns="91425" tIns="91425" rIns="91425" bIns="91425" anchor="b" anchorCtr="0">
+            <a:noAutofit/>
+          </a:bodyPr>
+          <a:lstStyle/>
+          <a:p>
+            <a:pPr marL="0" lvl="0" indent="0" algn="l" rtl="0">
+              <a:spcBef>
+                <a:spcPts val="0"/>
+              </a:spcBef>
+              <a:spcAft>
+                <a:spcPts val="0"/>
+              </a:spcAft>
+              <a:buNone/>
+            </a:pPr>
+            <a:r>
+              <a:rPr lang="en" dirty="0"/>
+              <a:t>LET’S REVIEW SOME OUTCOMES</a:t>
+            </a:r>
+            <a:endParaRPr dirty="0"/>
+          </a:p>
+        </p:txBody>
+      </p:sp>
+      <p:sp>
+        <p:nvSpPr>
+          <p:cNvPr id="418" name="Google Shape;418;p31"/>
+          <p:cNvSpPr txBox="1">
+            <a:spLocks noGrp="1"/>
+          </p:cNvSpPr>
+          <p:nvPr>
+            <p:ph type="body" idx="1"/>
+          </p:nvPr>
+        </p:nvSpPr>
+        <p:spPr>
+          <a:xfrm>
+            <a:off x="457200" y="1356775"/>
+            <a:ext cx="1656300" cy="1735500"/>
+          </a:xfrm>
+          <a:prstGeom prst="rect">
+            <a:avLst/>
+          </a:prstGeom>
+        </p:spPr>
+        <p:txBody>
+          <a:bodyPr spcFirstLastPara="1" wrap="square" lIns="91425" tIns="91425" rIns="91425" bIns="91425" anchor="t" anchorCtr="0">
+            <a:noAutofit/>
+          </a:bodyPr>
+          <a:lstStyle/>
+          <a:p>
+            <a:pPr marL="0" lvl="0" indent="0" algn="l" rtl="0">
+              <a:spcBef>
+                <a:spcPts val="600"/>
+              </a:spcBef>
+              <a:spcAft>
+                <a:spcPts val="0"/>
+              </a:spcAft>
+              <a:buNone/>
+            </a:pPr>
+            <a:r>
+              <a:rPr lang="en-AU" b="1" dirty="0"/>
+              <a:t>Rotation and Impact</a:t>
+            </a:r>
+            <a:endParaRPr b="1" dirty="0"/>
+          </a:p>
+          <a:p>
+            <a:pPr marL="0" lvl="0" indent="0" algn="l" rtl="0">
+              <a:spcBef>
+                <a:spcPts val="600"/>
+              </a:spcBef>
+              <a:spcAft>
+                <a:spcPts val="0"/>
+              </a:spcAft>
+              <a:buNone/>
+            </a:pPr>
+            <a:r>
+              <a:rPr lang="en-AU" dirty="0"/>
+              <a:t>Rotating a model in 3D space with data from the shimmer device.</a:t>
+            </a:r>
+          </a:p>
+          <a:p>
+            <a:pPr marL="0" lvl="0" indent="0" algn="l" rtl="0">
+              <a:spcBef>
+                <a:spcPts val="600"/>
+              </a:spcBef>
+              <a:spcAft>
+                <a:spcPts val="0"/>
+              </a:spcAft>
+              <a:buNone/>
+            </a:pPr>
+            <a:r>
+              <a:rPr lang="en-AU" sz="1200" dirty="0"/>
+              <a:t>Detecting Impact with slider to increase/ decrease the impact threshold.</a:t>
+            </a:r>
+            <a:endParaRPr sz="1200" dirty="0"/>
+          </a:p>
+        </p:txBody>
+      </p:sp>
+      <p:sp>
+        <p:nvSpPr>
+          <p:cNvPr id="419" name="Google Shape;419;p31"/>
+          <p:cNvSpPr txBox="1">
+            <a:spLocks noGrp="1"/>
+          </p:cNvSpPr>
+          <p:nvPr>
+            <p:ph type="body" idx="2"/>
+          </p:nvPr>
+        </p:nvSpPr>
+        <p:spPr>
+          <a:xfrm>
+            <a:off x="2198350" y="1356775"/>
+            <a:ext cx="1656300" cy="1735500"/>
+          </a:xfrm>
+          <a:prstGeom prst="rect">
+            <a:avLst/>
+          </a:prstGeom>
+        </p:spPr>
+        <p:txBody>
+          <a:bodyPr spcFirstLastPara="1" wrap="square" lIns="91425" tIns="91425" rIns="91425" bIns="91425" anchor="t" anchorCtr="0">
+            <a:noAutofit/>
+          </a:bodyPr>
+          <a:lstStyle/>
+          <a:p>
+            <a:pPr marL="0" lvl="0" indent="0" algn="l" rtl="0">
+              <a:spcBef>
+                <a:spcPts val="600"/>
+              </a:spcBef>
+              <a:spcAft>
+                <a:spcPts val="0"/>
+              </a:spcAft>
+              <a:buNone/>
+            </a:pPr>
+            <a:r>
+              <a:rPr lang="en-AU" b="1" dirty="0"/>
+              <a:t>Persistence</a:t>
+            </a:r>
+            <a:endParaRPr b="1" dirty="0"/>
+          </a:p>
+          <a:p>
+            <a:pPr marL="0" lvl="0" indent="0" algn="l" rtl="0">
+              <a:spcBef>
+                <a:spcPts val="600"/>
+              </a:spcBef>
+              <a:spcAft>
+                <a:spcPts val="0"/>
+              </a:spcAft>
+              <a:buNone/>
+            </a:pPr>
+            <a:r>
+              <a:rPr lang="en-AU" sz="1200" dirty="0"/>
+              <a:t>Data from training sessions can be saved and loaded for later analysis</a:t>
+            </a:r>
+            <a:endParaRPr sz="1200" dirty="0"/>
+          </a:p>
+        </p:txBody>
+      </p:sp>
+      <p:sp>
+        <p:nvSpPr>
+          <p:cNvPr id="420" name="Google Shape;420;p31"/>
+          <p:cNvSpPr txBox="1">
+            <a:spLocks noGrp="1"/>
+          </p:cNvSpPr>
+          <p:nvPr>
+            <p:ph type="body" idx="3"/>
+          </p:nvPr>
+        </p:nvSpPr>
+        <p:spPr>
+          <a:xfrm>
+            <a:off x="3939500" y="1356775"/>
+            <a:ext cx="1656300" cy="1735500"/>
+          </a:xfrm>
+          <a:prstGeom prst="rect">
+            <a:avLst/>
+          </a:prstGeom>
+        </p:spPr>
+        <p:txBody>
+          <a:bodyPr spcFirstLastPara="1" wrap="square" lIns="91425" tIns="91425" rIns="91425" bIns="91425" anchor="t" anchorCtr="0">
+            <a:noAutofit/>
+          </a:bodyPr>
+          <a:lstStyle/>
+          <a:p>
+            <a:pPr marL="0" lvl="0" indent="0" algn="l" rtl="0">
+              <a:spcBef>
+                <a:spcPts val="600"/>
+              </a:spcBef>
+              <a:spcAft>
+                <a:spcPts val="0"/>
+              </a:spcAft>
+              <a:buNone/>
+            </a:pPr>
+            <a:r>
+              <a:rPr lang="en-AU" b="1" dirty="0"/>
+              <a:t>Connectivity</a:t>
+            </a:r>
+            <a:endParaRPr b="1" dirty="0"/>
+          </a:p>
+          <a:p>
+            <a:pPr marL="0" lvl="0" indent="0" algn="l" rtl="0">
+              <a:spcBef>
+                <a:spcPts val="600"/>
+              </a:spcBef>
+              <a:spcAft>
+                <a:spcPts val="0"/>
+              </a:spcAft>
+              <a:buNone/>
+            </a:pPr>
+            <a:r>
+              <a:rPr lang="en-AU" sz="1200" dirty="0"/>
+              <a:t>Simple connection menu and device finder menu to locate paired devices.</a:t>
+            </a:r>
+          </a:p>
+          <a:p>
+            <a:pPr marL="0" lvl="0" indent="0" algn="l" rtl="0">
+              <a:spcBef>
+                <a:spcPts val="600"/>
+              </a:spcBef>
+              <a:spcAft>
+                <a:spcPts val="0"/>
+              </a:spcAft>
+              <a:buNone/>
+            </a:pPr>
+            <a:r>
+              <a:rPr lang="en-AU" dirty="0"/>
+              <a:t>Green/red UI feedback.</a:t>
+            </a:r>
+            <a:endParaRPr sz="1200" dirty="0"/>
+          </a:p>
+          <a:p>
+            <a:pPr marL="0" lvl="0" indent="0" algn="l" rtl="0">
+              <a:spcBef>
+                <a:spcPts val="600"/>
+              </a:spcBef>
+              <a:spcAft>
+                <a:spcPts val="0"/>
+              </a:spcAft>
+              <a:buNone/>
+            </a:pPr>
+            <a:endParaRPr sz="1200" dirty="0"/>
+          </a:p>
+        </p:txBody>
+      </p:sp>
+      <p:sp>
+        <p:nvSpPr>
+          <p:cNvPr id="421" name="Google Shape;421;p31"/>
+          <p:cNvSpPr txBox="1">
+            <a:spLocks noGrp="1"/>
+          </p:cNvSpPr>
+          <p:nvPr>
+            <p:ph type="sldNum" idx="12"/>
+          </p:nvPr>
+        </p:nvSpPr>
+        <p:spPr>
+          <a:xfrm>
+            <a:off x="8808000" y="2208175"/>
+            <a:ext cx="336000" cy="727200"/>
+          </a:xfrm>
+          <a:prstGeom prst="rect">
+            <a:avLst/>
+          </a:prstGeom>
+        </p:spPr>
+        <p:txBody>
+          <a:bodyPr spcFirstLastPara="1" wrap="square" lIns="91425" tIns="91425" rIns="91425" bIns="91425" anchor="ctr" anchorCtr="0">
+            <a:noAutofit/>
+          </a:bodyPr>
+          <a:lstStyle/>
+          <a:p>
+            <a:pPr marL="0" lvl="0" indent="0" algn="ctr" rtl="0">
+              <a:spcBef>
+                <a:spcPts val="0"/>
+              </a:spcBef>
+              <a:spcAft>
+                <a:spcPts val="0"/>
+              </a:spcAft>
+              <a:buNone/>
+            </a:pPr>
+            <a:fld id="{00000000-1234-1234-1234-123412341234}" type="slidenum">
+              <a:rPr lang="en"/>
               <a:t>9</a:t>
             </a:fld>
             <a:endParaRPr/>
+          </a:p>
+        </p:txBody>
+      </p:sp>
+      <p:sp>
+        <p:nvSpPr>
+          <p:cNvPr id="422" name="Google Shape;422;p31"/>
+          <p:cNvSpPr txBox="1">
+            <a:spLocks noGrp="1"/>
+          </p:cNvSpPr>
+          <p:nvPr>
+            <p:ph type="body" idx="1"/>
+          </p:nvPr>
+        </p:nvSpPr>
+        <p:spPr>
+          <a:xfrm>
+            <a:off x="457200" y="3109375"/>
+            <a:ext cx="1656300" cy="1735500"/>
+          </a:xfrm>
+          <a:prstGeom prst="rect">
+            <a:avLst/>
+          </a:prstGeom>
+        </p:spPr>
+        <p:txBody>
+          <a:bodyPr spcFirstLastPara="1" wrap="square" lIns="91425" tIns="91425" rIns="91425" bIns="91425" anchor="t" anchorCtr="0">
+            <a:noAutofit/>
+          </a:bodyPr>
+          <a:lstStyle/>
+          <a:p>
+            <a:pPr marL="0" lvl="0" indent="0" algn="l" rtl="0">
+              <a:spcBef>
+                <a:spcPts val="600"/>
+              </a:spcBef>
+              <a:spcAft>
+                <a:spcPts val="0"/>
+              </a:spcAft>
+              <a:buNone/>
+            </a:pPr>
+            <a:r>
+              <a:rPr lang="en-AU" b="1" dirty="0"/>
+              <a:t>Streaming</a:t>
+            </a:r>
+            <a:endParaRPr b="1" dirty="0"/>
+          </a:p>
+          <a:p>
+            <a:pPr marL="0" lvl="0" indent="0" algn="l" rtl="0">
+              <a:spcBef>
+                <a:spcPts val="600"/>
+              </a:spcBef>
+              <a:spcAft>
+                <a:spcPts val="0"/>
+              </a:spcAft>
+              <a:buNone/>
+            </a:pPr>
+            <a:r>
+              <a:rPr lang="en" dirty="0"/>
+              <a:t>Start/Stop streaming and simple </a:t>
+            </a:r>
+            <a:r>
+              <a:rPr lang="en-AU" dirty="0"/>
+              <a:t>green/red</a:t>
+            </a:r>
+            <a:r>
+              <a:rPr lang="en" dirty="0"/>
+              <a:t> UI feedback</a:t>
+            </a:r>
+            <a:endParaRPr sz="1200" dirty="0"/>
+          </a:p>
+        </p:txBody>
+      </p:sp>
+      <p:sp>
+        <p:nvSpPr>
+          <p:cNvPr id="423" name="Google Shape;423;p31"/>
+          <p:cNvSpPr txBox="1">
+            <a:spLocks noGrp="1"/>
+          </p:cNvSpPr>
+          <p:nvPr>
+            <p:ph type="body" idx="2"/>
+          </p:nvPr>
+        </p:nvSpPr>
+        <p:spPr>
+          <a:xfrm>
+            <a:off x="2198350" y="3109375"/>
+            <a:ext cx="1656300" cy="1735500"/>
+          </a:xfrm>
+          <a:prstGeom prst="rect">
+            <a:avLst/>
+          </a:prstGeom>
+        </p:spPr>
+        <p:txBody>
+          <a:bodyPr spcFirstLastPara="1" wrap="square" lIns="91425" tIns="91425" rIns="91425" bIns="91425" anchor="t" anchorCtr="0">
+            <a:noAutofit/>
+          </a:bodyPr>
+          <a:lstStyle/>
+          <a:p>
+            <a:pPr marL="0" lvl="0" indent="0" algn="l" rtl="0">
+              <a:spcBef>
+                <a:spcPts val="600"/>
+              </a:spcBef>
+              <a:spcAft>
+                <a:spcPts val="0"/>
+              </a:spcAft>
+              <a:buNone/>
+            </a:pPr>
+            <a:r>
+              <a:rPr lang="en-AU" b="1" dirty="0"/>
+              <a:t>Recording</a:t>
+            </a:r>
+            <a:endParaRPr b="1" dirty="0"/>
+          </a:p>
+          <a:p>
+            <a:pPr marL="0" lvl="0" indent="0" algn="l" rtl="0">
+              <a:spcBef>
+                <a:spcPts val="600"/>
+              </a:spcBef>
+              <a:spcAft>
+                <a:spcPts val="0"/>
+              </a:spcAft>
+              <a:buNone/>
+            </a:pPr>
+            <a:r>
+              <a:rPr lang="en-AU" sz="1200" dirty="0"/>
+              <a:t>Start/Stop recording training  sessions.</a:t>
+            </a:r>
+          </a:p>
+          <a:p>
+            <a:pPr marL="0" lvl="0" indent="0" algn="l" rtl="0">
+              <a:spcBef>
+                <a:spcPts val="600"/>
+              </a:spcBef>
+              <a:spcAft>
+                <a:spcPts val="0"/>
+              </a:spcAft>
+              <a:buNone/>
+            </a:pPr>
+            <a:r>
+              <a:rPr lang="en-AU" sz="1200" dirty="0"/>
+              <a:t>Save sessions to csv file.</a:t>
+            </a:r>
+            <a:endParaRPr sz="1200" dirty="0"/>
+          </a:p>
+        </p:txBody>
+      </p:sp>
+      <p:sp>
+        <p:nvSpPr>
+          <p:cNvPr id="424" name="Google Shape;424;p31"/>
+          <p:cNvSpPr txBox="1">
+            <a:spLocks noGrp="1"/>
+          </p:cNvSpPr>
+          <p:nvPr>
+            <p:ph type="body" idx="3"/>
+          </p:nvPr>
+        </p:nvSpPr>
+        <p:spPr>
+          <a:xfrm>
+            <a:off x="3939500" y="3109375"/>
+            <a:ext cx="1656300" cy="1735500"/>
+          </a:xfrm>
+          <a:prstGeom prst="rect">
+            <a:avLst/>
+          </a:prstGeom>
+        </p:spPr>
+        <p:txBody>
+          <a:bodyPr spcFirstLastPara="1" wrap="square" lIns="91425" tIns="91425" rIns="91425" bIns="91425" anchor="t" anchorCtr="0">
+            <a:noAutofit/>
+          </a:bodyPr>
+          <a:lstStyle/>
+          <a:p>
+            <a:pPr marL="0" lvl="0" indent="0" algn="l" rtl="0">
+              <a:spcBef>
+                <a:spcPts val="600"/>
+              </a:spcBef>
+              <a:spcAft>
+                <a:spcPts val="0"/>
+              </a:spcAft>
+              <a:buNone/>
+            </a:pPr>
+            <a:r>
+              <a:rPr lang="en-AU" b="1" dirty="0"/>
+              <a:t>Playback</a:t>
+            </a:r>
+            <a:endParaRPr b="1" dirty="0"/>
+          </a:p>
+          <a:p>
+            <a:pPr marL="0" lvl="0" indent="0" algn="l" rtl="0">
+              <a:spcBef>
+                <a:spcPts val="600"/>
+              </a:spcBef>
+              <a:spcAft>
+                <a:spcPts val="0"/>
+              </a:spcAft>
+              <a:buNone/>
+            </a:pPr>
+            <a:r>
+              <a:rPr lang="en-AU" sz="1200" dirty="0"/>
+              <a:t>Load saved files and playback.</a:t>
+            </a:r>
+          </a:p>
+          <a:p>
+            <a:pPr marL="0" lvl="0" indent="0" algn="l" rtl="0">
+              <a:spcBef>
+                <a:spcPts val="600"/>
+              </a:spcBef>
+              <a:spcAft>
+                <a:spcPts val="0"/>
+              </a:spcAft>
+              <a:buNone/>
+            </a:pPr>
+            <a:r>
+              <a:rPr lang="en-AU" dirty="0"/>
+              <a:t>Set playback speed with slider.</a:t>
+            </a:r>
+            <a:r>
+              <a:rPr lang="en" sz="1200" dirty="0"/>
+              <a:t> </a:t>
+            </a:r>
+            <a:endParaRPr sz="1200" dirty="0"/>
+          </a:p>
+          <a:p>
+            <a:pPr marL="0" lvl="0" indent="0" algn="l" rtl="0">
+              <a:spcBef>
+                <a:spcPts val="600"/>
+              </a:spcBef>
+              <a:spcAft>
+                <a:spcPts val="0"/>
+              </a:spcAft>
+              <a:buNone/>
+            </a:pPr>
+            <a:endParaRPr sz="1200" dirty="0"/>
           </a:p>
         </p:txBody>
       </p:sp>

--- a/SubmissionMaterials/Shimmer Research Presentation.pptx
+++ b/SubmissionMaterials/Shimmer Research Presentation.pptx
@@ -10,12 +10,12 @@
   <p:sldIdLst>
     <p:sldId id="256" r:id="rId2"/>
     <p:sldId id="257" r:id="rId3"/>
-    <p:sldId id="259" r:id="rId4"/>
-    <p:sldId id="278" r:id="rId5"/>
-    <p:sldId id="286" r:id="rId6"/>
-    <p:sldId id="285" r:id="rId7"/>
-    <p:sldId id="263" r:id="rId8"/>
-    <p:sldId id="264" r:id="rId9"/>
+    <p:sldId id="263" r:id="rId4"/>
+    <p:sldId id="264" r:id="rId5"/>
+    <p:sldId id="259" r:id="rId6"/>
+    <p:sldId id="278" r:id="rId7"/>
+    <p:sldId id="286" r:id="rId8"/>
+    <p:sldId id="285" r:id="rId9"/>
     <p:sldId id="274" r:id="rId10"/>
     <p:sldId id="279" r:id="rId11"/>
   </p:sldIdLst>
@@ -1035,6 +1035,214 @@
   <p:cSld>
     <p:spTree>
       <p:nvGrpSpPr>
+        <p:cNvPr id="1" name="Shape 295"/>
+        <p:cNvGrpSpPr/>
+        <p:nvPr/>
+      </p:nvGrpSpPr>
+      <p:grpSpPr>
+        <a:xfrm>
+          <a:off x="0" y="0"/>
+          <a:ext cx="0" cy="0"/>
+          <a:chOff x="0" y="0"/>
+          <a:chExt cx="0" cy="0"/>
+        </a:xfrm>
+      </p:grpSpPr>
+      <p:sp>
+        <p:nvSpPr>
+          <p:cNvPr id="296" name="Google Shape;296;g35f391192_017:notes"/>
+          <p:cNvSpPr>
+            <a:spLocks noGrp="1" noRot="1" noChangeAspect="1"/>
+          </p:cNvSpPr>
+          <p:nvPr>
+            <p:ph type="sldImg" idx="2"/>
+          </p:nvPr>
+        </p:nvSpPr>
+        <p:spPr>
+          <a:xfrm>
+            <a:off x="381000" y="685800"/>
+            <a:ext cx="6096000" cy="3429000"/>
+          </a:xfrm>
+          <a:custGeom>
+            <a:avLst/>
+            <a:gdLst/>
+            <a:ahLst/>
+            <a:cxnLst/>
+            <a:rect l="l" t="t" r="r" b="b"/>
+            <a:pathLst>
+              <a:path w="120000" h="120000" extrusionOk="0">
+                <a:moveTo>
+                  <a:pt x="0" y="0"/>
+                </a:moveTo>
+                <a:lnTo>
+                  <a:pt x="120000" y="0"/>
+                </a:lnTo>
+                <a:lnTo>
+                  <a:pt x="120000" y="120000"/>
+                </a:lnTo>
+                <a:lnTo>
+                  <a:pt x="0" y="120000"/>
+                </a:lnTo>
+                <a:close/>
+              </a:path>
+            </a:pathLst>
+          </a:custGeom>
+        </p:spPr>
+      </p:sp>
+      <p:sp>
+        <p:nvSpPr>
+          <p:cNvPr id="297" name="Google Shape;297;g35f391192_017:notes"/>
+          <p:cNvSpPr txBox="1">
+            <a:spLocks noGrp="1"/>
+          </p:cNvSpPr>
+          <p:nvPr>
+            <p:ph type="body" idx="1"/>
+          </p:nvPr>
+        </p:nvSpPr>
+        <p:spPr>
+          <a:xfrm>
+            <a:off x="685800" y="4343400"/>
+            <a:ext cx="5486400" cy="4114800"/>
+          </a:xfrm>
+          <a:prstGeom prst="rect">
+            <a:avLst/>
+          </a:prstGeom>
+        </p:spPr>
+        <p:txBody>
+          <a:bodyPr spcFirstLastPara="1" wrap="square" lIns="91425" tIns="91425" rIns="91425" bIns="91425" anchor="t" anchorCtr="0">
+            <a:noAutofit/>
+          </a:bodyPr>
+          <a:lstStyle/>
+          <a:p>
+            <a:pPr marL="0" lvl="0" indent="0" algn="l" rtl="0">
+              <a:spcBef>
+                <a:spcPts val="0"/>
+              </a:spcBef>
+              <a:spcAft>
+                <a:spcPts val="0"/>
+              </a:spcAft>
+              <a:buNone/>
+            </a:pPr>
+            <a:endParaRPr/>
+          </a:p>
+        </p:txBody>
+      </p:sp>
+    </p:spTree>
+  </p:cSld>
+  <p:clrMapOvr>
+    <a:masterClrMapping/>
+  </p:clrMapOvr>
+</p:notes>
+</file>
+
+<file path=ppt/notesSlides/notesSlide4.xml><?xml version="1.0" encoding="utf-8"?>
+<p:notes xmlns:a="http://schemas.openxmlformats.org/drawingml/2006/main" xmlns:r="http://schemas.openxmlformats.org/officeDocument/2006/relationships" xmlns:p="http://schemas.openxmlformats.org/presentationml/2006/main" showMasterSp="0" showMasterPhAnim="0">
+  <p:cSld>
+    <p:spTree>
+      <p:nvGrpSpPr>
+        <p:cNvPr id="1" name="Shape 303"/>
+        <p:cNvGrpSpPr/>
+        <p:nvPr/>
+      </p:nvGrpSpPr>
+      <p:grpSpPr>
+        <a:xfrm>
+          <a:off x="0" y="0"/>
+          <a:ext cx="0" cy="0"/>
+          <a:chOff x="0" y="0"/>
+          <a:chExt cx="0" cy="0"/>
+        </a:xfrm>
+      </p:grpSpPr>
+      <p:sp>
+        <p:nvSpPr>
+          <p:cNvPr id="304" name="Google Shape;304;g35f391192_045:notes"/>
+          <p:cNvSpPr>
+            <a:spLocks noGrp="1" noRot="1" noChangeAspect="1"/>
+          </p:cNvSpPr>
+          <p:nvPr>
+            <p:ph type="sldImg" idx="2"/>
+          </p:nvPr>
+        </p:nvSpPr>
+        <p:spPr>
+          <a:xfrm>
+            <a:off x="381000" y="685800"/>
+            <a:ext cx="6096000" cy="3429000"/>
+          </a:xfrm>
+          <a:custGeom>
+            <a:avLst/>
+            <a:gdLst/>
+            <a:ahLst/>
+            <a:cxnLst/>
+            <a:rect l="l" t="t" r="r" b="b"/>
+            <a:pathLst>
+              <a:path w="120000" h="120000" extrusionOk="0">
+                <a:moveTo>
+                  <a:pt x="0" y="0"/>
+                </a:moveTo>
+                <a:lnTo>
+                  <a:pt x="120000" y="0"/>
+                </a:lnTo>
+                <a:lnTo>
+                  <a:pt x="120000" y="120000"/>
+                </a:lnTo>
+                <a:lnTo>
+                  <a:pt x="0" y="120000"/>
+                </a:lnTo>
+                <a:close/>
+              </a:path>
+            </a:pathLst>
+          </a:custGeom>
+        </p:spPr>
+      </p:sp>
+      <p:sp>
+        <p:nvSpPr>
+          <p:cNvPr id="305" name="Google Shape;305;g35f391192_045:notes"/>
+          <p:cNvSpPr txBox="1">
+            <a:spLocks noGrp="1"/>
+          </p:cNvSpPr>
+          <p:nvPr>
+            <p:ph type="body" idx="1"/>
+          </p:nvPr>
+        </p:nvSpPr>
+        <p:spPr>
+          <a:xfrm>
+            <a:off x="685800" y="4343400"/>
+            <a:ext cx="5486400" cy="4114800"/>
+          </a:xfrm>
+          <a:prstGeom prst="rect">
+            <a:avLst/>
+          </a:prstGeom>
+        </p:spPr>
+        <p:txBody>
+          <a:bodyPr spcFirstLastPara="1" wrap="square" lIns="91425" tIns="91425" rIns="91425" bIns="91425" anchor="t" anchorCtr="0">
+            <a:noAutofit/>
+          </a:bodyPr>
+          <a:lstStyle/>
+          <a:p>
+            <a:pPr marL="0" lvl="0" indent="0" algn="l" rtl="0">
+              <a:spcBef>
+                <a:spcPts val="0"/>
+              </a:spcBef>
+              <a:spcAft>
+                <a:spcPts val="0"/>
+              </a:spcAft>
+              <a:buNone/>
+            </a:pPr>
+            <a:endParaRPr/>
+          </a:p>
+        </p:txBody>
+      </p:sp>
+    </p:spTree>
+  </p:cSld>
+  <p:clrMapOvr>
+    <a:masterClrMapping/>
+  </p:clrMapOvr>
+</p:notes>
+</file>
+
+<file path=ppt/notesSlides/notesSlide5.xml><?xml version="1.0" encoding="utf-8"?>
+<p:notes xmlns:a="http://schemas.openxmlformats.org/drawingml/2006/main" xmlns:r="http://schemas.openxmlformats.org/officeDocument/2006/relationships" xmlns:p="http://schemas.openxmlformats.org/presentationml/2006/main" showMasterSp="0" showMasterPhAnim="0">
+  <p:cSld>
+    <p:spTree>
+      <p:nvGrpSpPr>
         <p:cNvPr id="1" name="Shape 257"/>
         <p:cNvGrpSpPr/>
         <p:nvPr/>
@@ -1127,219 +1335,6 @@
         </p:txBody>
       </p:sp>
     </p:spTree>
-  </p:cSld>
-  <p:clrMapOvr>
-    <a:masterClrMapping/>
-  </p:clrMapOvr>
-</p:notes>
-</file>
-
-<file path=ppt/notesSlides/notesSlide4.xml><?xml version="1.0" encoding="utf-8"?>
-<p:notes xmlns:a="http://schemas.openxmlformats.org/drawingml/2006/main" xmlns:r="http://schemas.openxmlformats.org/officeDocument/2006/relationships" xmlns:p="http://schemas.openxmlformats.org/presentationml/2006/main" showMasterSp="0" showMasterPhAnim="0">
-  <p:cSld>
-    <p:spTree>
-      <p:nvGrpSpPr>
-        <p:cNvPr id="1" name="Shape 471"/>
-        <p:cNvGrpSpPr/>
-        <p:nvPr/>
-      </p:nvGrpSpPr>
-      <p:grpSpPr>
-        <a:xfrm>
-          <a:off x="0" y="0"/>
-          <a:ext cx="0" cy="0"/>
-          <a:chOff x="0" y="0"/>
-          <a:chExt cx="0" cy="0"/>
-        </a:xfrm>
-      </p:grpSpPr>
-      <p:sp>
-        <p:nvSpPr>
-          <p:cNvPr id="472" name="Google Shape;472;g35ed75ccf_0113:notes"/>
-          <p:cNvSpPr>
-            <a:spLocks noGrp="1" noRot="1" noChangeAspect="1"/>
-          </p:cNvSpPr>
-          <p:nvPr>
-            <p:ph type="sldImg" idx="2"/>
-          </p:nvPr>
-        </p:nvSpPr>
-        <p:spPr>
-          <a:xfrm>
-            <a:off x="381000" y="685800"/>
-            <a:ext cx="6096000" cy="3429000"/>
-          </a:xfrm>
-          <a:custGeom>
-            <a:avLst/>
-            <a:gdLst/>
-            <a:ahLst/>
-            <a:cxnLst/>
-            <a:rect l="l" t="t" r="r" b="b"/>
-            <a:pathLst>
-              <a:path w="120000" h="120000" extrusionOk="0">
-                <a:moveTo>
-                  <a:pt x="0" y="0"/>
-                </a:moveTo>
-                <a:lnTo>
-                  <a:pt x="120000" y="0"/>
-                </a:lnTo>
-                <a:lnTo>
-                  <a:pt x="120000" y="120000"/>
-                </a:lnTo>
-                <a:lnTo>
-                  <a:pt x="0" y="120000"/>
-                </a:lnTo>
-                <a:close/>
-              </a:path>
-            </a:pathLst>
-          </a:custGeom>
-        </p:spPr>
-      </p:sp>
-      <p:sp>
-        <p:nvSpPr>
-          <p:cNvPr id="473" name="Google Shape;473;g35ed75ccf_0113:notes"/>
-          <p:cNvSpPr txBox="1">
-            <a:spLocks noGrp="1"/>
-          </p:cNvSpPr>
-          <p:nvPr>
-            <p:ph type="body" idx="1"/>
-          </p:nvPr>
-        </p:nvSpPr>
-        <p:spPr>
-          <a:xfrm>
-            <a:off x="685800" y="4343400"/>
-            <a:ext cx="5486400" cy="4114800"/>
-          </a:xfrm>
-          <a:prstGeom prst="rect">
-            <a:avLst/>
-          </a:prstGeom>
-        </p:spPr>
-        <p:txBody>
-          <a:bodyPr spcFirstLastPara="1" wrap="square" lIns="91425" tIns="91425" rIns="91425" bIns="91425" anchor="t" anchorCtr="0">
-            <a:noAutofit/>
-          </a:bodyPr>
-          <a:lstStyle/>
-          <a:p>
-            <a:pPr marL="0" lvl="0" indent="0" algn="l" rtl="0">
-              <a:spcBef>
-                <a:spcPts val="0"/>
-              </a:spcBef>
-              <a:spcAft>
-                <a:spcPts val="0"/>
-              </a:spcAft>
-              <a:buNone/>
-            </a:pPr>
-            <a:endParaRPr/>
-          </a:p>
-        </p:txBody>
-      </p:sp>
-    </p:spTree>
-  </p:cSld>
-  <p:clrMapOvr>
-    <a:masterClrMapping/>
-  </p:clrMapOvr>
-</p:notes>
-</file>
-
-<file path=ppt/notesSlides/notesSlide5.xml><?xml version="1.0" encoding="utf-8"?>
-<p:notes xmlns:a="http://schemas.openxmlformats.org/drawingml/2006/main" xmlns:r="http://schemas.openxmlformats.org/officeDocument/2006/relationships" xmlns:p="http://schemas.openxmlformats.org/presentationml/2006/main" showMasterSp="0" showMasterPhAnim="0">
-  <p:cSld>
-    <p:spTree>
-      <p:nvGrpSpPr>
-        <p:cNvPr id="1" name="Shape 471"/>
-        <p:cNvGrpSpPr/>
-        <p:nvPr/>
-      </p:nvGrpSpPr>
-      <p:grpSpPr>
-        <a:xfrm>
-          <a:off x="0" y="0"/>
-          <a:ext cx="0" cy="0"/>
-          <a:chOff x="0" y="0"/>
-          <a:chExt cx="0" cy="0"/>
-        </a:xfrm>
-      </p:grpSpPr>
-      <p:sp>
-        <p:nvSpPr>
-          <p:cNvPr id="472" name="Google Shape;472;g35ed75ccf_0113:notes"/>
-          <p:cNvSpPr>
-            <a:spLocks noGrp="1" noRot="1" noChangeAspect="1"/>
-          </p:cNvSpPr>
-          <p:nvPr>
-            <p:ph type="sldImg" idx="2"/>
-          </p:nvPr>
-        </p:nvSpPr>
-        <p:spPr>
-          <a:xfrm>
-            <a:off x="381000" y="685800"/>
-            <a:ext cx="6096000" cy="3429000"/>
-          </a:xfrm>
-          <a:custGeom>
-            <a:avLst/>
-            <a:gdLst/>
-            <a:ahLst/>
-            <a:cxnLst/>
-            <a:rect l="l" t="t" r="r" b="b"/>
-            <a:pathLst>
-              <a:path w="120000" h="120000" extrusionOk="0">
-                <a:moveTo>
-                  <a:pt x="0" y="0"/>
-                </a:moveTo>
-                <a:lnTo>
-                  <a:pt x="120000" y="0"/>
-                </a:lnTo>
-                <a:lnTo>
-                  <a:pt x="120000" y="120000"/>
-                </a:lnTo>
-                <a:lnTo>
-                  <a:pt x="0" y="120000"/>
-                </a:lnTo>
-                <a:close/>
-              </a:path>
-            </a:pathLst>
-          </a:custGeom>
-        </p:spPr>
-      </p:sp>
-      <p:sp>
-        <p:nvSpPr>
-          <p:cNvPr id="473" name="Google Shape;473;g35ed75ccf_0113:notes"/>
-          <p:cNvSpPr txBox="1">
-            <a:spLocks noGrp="1"/>
-          </p:cNvSpPr>
-          <p:nvPr>
-            <p:ph type="body" idx="1"/>
-          </p:nvPr>
-        </p:nvSpPr>
-        <p:spPr>
-          <a:xfrm>
-            <a:off x="685800" y="4343400"/>
-            <a:ext cx="5486400" cy="4114800"/>
-          </a:xfrm>
-          <a:prstGeom prst="rect">
-            <a:avLst/>
-          </a:prstGeom>
-        </p:spPr>
-        <p:txBody>
-          <a:bodyPr spcFirstLastPara="1" wrap="square" lIns="91425" tIns="91425" rIns="91425" bIns="91425" anchor="t" anchorCtr="0">
-            <a:noAutofit/>
-          </a:bodyPr>
-          <a:lstStyle/>
-          <a:p>
-            <a:pPr marL="0" lvl="0" indent="0" algn="l" rtl="0">
-              <a:spcBef>
-                <a:spcPts val="0"/>
-              </a:spcBef>
-              <a:spcAft>
-                <a:spcPts val="0"/>
-              </a:spcAft>
-              <a:buNone/>
-            </a:pPr>
-            <a:endParaRPr/>
-          </a:p>
-        </p:txBody>
-      </p:sp>
-    </p:spTree>
-    <p:extLst>
-      <p:ext uri="{BB962C8B-B14F-4D97-AF65-F5344CB8AC3E}">
-        <p14:creationId xmlns:p14="http://schemas.microsoft.com/office/powerpoint/2010/main" val="2961228120"/>
-      </p:ext>
-    </p:extLst>
   </p:cSld>
   <p:clrMapOvr>
     <a:masterClrMapping/>
@@ -1444,11 +1439,6 @@
         </p:txBody>
       </p:sp>
     </p:spTree>
-    <p:extLst>
-      <p:ext uri="{BB962C8B-B14F-4D97-AF65-F5344CB8AC3E}">
-        <p14:creationId xmlns:p14="http://schemas.microsoft.com/office/powerpoint/2010/main" val="1350400854"/>
-      </p:ext>
-    </p:extLst>
   </p:cSld>
   <p:clrMapOvr>
     <a:masterClrMapping/>
@@ -1461,7 +1451,7 @@
   <p:cSld>
     <p:spTree>
       <p:nvGrpSpPr>
-        <p:cNvPr id="1" name="Shape 295"/>
+        <p:cNvPr id="1" name="Shape 471"/>
         <p:cNvGrpSpPr/>
         <p:nvPr/>
       </p:nvGrpSpPr>
@@ -1475,7 +1465,7 @@
       </p:grpSpPr>
       <p:sp>
         <p:nvSpPr>
-          <p:cNvPr id="296" name="Google Shape;296;g35f391192_017:notes"/>
+          <p:cNvPr id="472" name="Google Shape;472;g35ed75ccf_0113:notes"/>
           <p:cNvSpPr>
             <a:spLocks noGrp="1" noRot="1" noChangeAspect="1"/>
           </p:cNvSpPr>
@@ -1516,7 +1506,7 @@
       </p:sp>
       <p:sp>
         <p:nvSpPr>
-          <p:cNvPr id="297" name="Google Shape;297;g35f391192_017:notes"/>
+          <p:cNvPr id="473" name="Google Shape;473;g35ed75ccf_0113:notes"/>
           <p:cNvSpPr txBox="1">
             <a:spLocks noGrp="1"/>
           </p:cNvSpPr>
@@ -1553,6 +1543,11 @@
         </p:txBody>
       </p:sp>
     </p:spTree>
+    <p:extLst>
+      <p:ext uri="{BB962C8B-B14F-4D97-AF65-F5344CB8AC3E}">
+        <p14:creationId xmlns:p14="http://schemas.microsoft.com/office/powerpoint/2010/main" val="2961228120"/>
+      </p:ext>
+    </p:extLst>
   </p:cSld>
   <p:clrMapOvr>
     <a:masterClrMapping/>
@@ -1565,7 +1560,7 @@
   <p:cSld>
     <p:spTree>
       <p:nvGrpSpPr>
-        <p:cNvPr id="1" name="Shape 303"/>
+        <p:cNvPr id="1" name="Shape 471"/>
         <p:cNvGrpSpPr/>
         <p:nvPr/>
       </p:nvGrpSpPr>
@@ -1579,7 +1574,7 @@
       </p:grpSpPr>
       <p:sp>
         <p:nvSpPr>
-          <p:cNvPr id="304" name="Google Shape;304;g35f391192_045:notes"/>
+          <p:cNvPr id="472" name="Google Shape;472;g35ed75ccf_0113:notes"/>
           <p:cNvSpPr>
             <a:spLocks noGrp="1" noRot="1" noChangeAspect="1"/>
           </p:cNvSpPr>
@@ -1620,7 +1615,7 @@
       </p:sp>
       <p:sp>
         <p:nvSpPr>
-          <p:cNvPr id="305" name="Google Shape;305;g35f391192_045:notes"/>
+          <p:cNvPr id="473" name="Google Shape;473;g35ed75ccf_0113:notes"/>
           <p:cNvSpPr txBox="1">
             <a:spLocks noGrp="1"/>
           </p:cNvSpPr>
@@ -1657,6 +1652,11 @@
         </p:txBody>
       </p:sp>
     </p:spTree>
+    <p:extLst>
+      <p:ext uri="{BB962C8B-B14F-4D97-AF65-F5344CB8AC3E}">
+        <p14:creationId xmlns:p14="http://schemas.microsoft.com/office/powerpoint/2010/main" val="1350400854"/>
+      </p:ext>
+    </p:extLst>
   </p:cSld>
   <p:clrMapOvr>
     <a:masterClrMapping/>
@@ -6564,8 +6564,8 @@
               <a:buNone/>
             </a:pPr>
             <a:r>
-              <a:rPr lang="en-AU" dirty="0"/>
-              <a:t>Project Outline</a:t>
+              <a:rPr lang="en-AU"/>
+              <a:t>Project Concept</a:t>
             </a:r>
             <a:endParaRPr dirty="0"/>
           </a:p>
@@ -7124,82 +7124,73 @@
             </a:lvl9pPr>
           </a:lstStyle>
           <a:p>
-            <a:pPr marL="0" indent="0">
+            <a:pPr marL="285750" indent="-285750">
               <a:buClr>
                 <a:schemeClr val="dk1"/>
               </a:buClr>
               <a:buSzPts val="1100"/>
-              <a:buNone/>
             </a:pPr>
             <a:r>
-              <a:rPr lang="en-AU" sz="1100" dirty="0"/>
+              <a:rPr lang="en-AU" sz="1400" dirty="0"/>
               <a:t>Investigate gathering real time data from Shimmer3 IMU device for use with 3D model rotation and data analysis from player movement in a training scenario.</a:t>
             </a:r>
           </a:p>
           <a:p>
-            <a:pPr marL="0" indent="0">
+            <a:pPr marL="285750" indent="-285750">
               <a:buClr>
                 <a:schemeClr val="dk1"/>
               </a:buClr>
               <a:buSzPts val="1100"/>
-              <a:buNone/>
             </a:pPr>
             <a:r>
-              <a:rPr lang="en-AU" sz="1100" dirty="0"/>
+              <a:rPr lang="en-AU" sz="1400" dirty="0"/>
               <a:t>This application will target Rugby specifically and aims to prevent injury by identifying danger areas while tackling.</a:t>
             </a:r>
           </a:p>
           <a:p>
-            <a:pPr marL="0" indent="0">
+            <a:pPr marL="285750" indent="-285750">
               <a:buClr>
                 <a:schemeClr val="dk1"/>
               </a:buClr>
               <a:buSzPts val="1100"/>
-              <a:buNone/>
             </a:pPr>
             <a:r>
-              <a:rPr lang="en-AU" sz="1100" dirty="0"/>
+              <a:rPr lang="en-AU" sz="1400" dirty="0"/>
               <a:t>Facilitate post analysis of the data with the player and assist players to perform, learn and practice safe tackling in a training environment.</a:t>
             </a:r>
           </a:p>
           <a:p>
-            <a:pPr marL="0" indent="0">
+            <a:pPr marL="285750" indent="-285750">
               <a:buClr>
                 <a:schemeClr val="dk1"/>
               </a:buClr>
               <a:buSzPts val="1100"/>
-              <a:buFont typeface="Arial"/>
-              <a:buNone/>
             </a:pPr>
             <a:r>
-              <a:rPr lang="en-US" sz="1100" dirty="0"/>
+              <a:rPr lang="en-US" sz="1400" dirty="0"/>
               <a:t>Identify limitations with hardware or software applications.</a:t>
             </a:r>
           </a:p>
           <a:p>
-            <a:pPr marL="0" indent="0">
+            <a:pPr marL="285750" indent="-285750">
               <a:buClr>
                 <a:schemeClr val="dk1"/>
               </a:buClr>
               <a:buSzPts val="1100"/>
-              <a:buFont typeface="Arial"/>
-              <a:buNone/>
             </a:pPr>
             <a:r>
-              <a:rPr lang="en-US" sz="1100" dirty="0"/>
+              <a:rPr lang="en-US" sz="1400" dirty="0"/>
               <a:t>Record findings and determine viability as a useable application.</a:t>
             </a:r>
           </a:p>
           <a:p>
-            <a:pPr marL="0" indent="0">
+            <a:pPr marL="285750" indent="-285750">
               <a:buClr>
                 <a:schemeClr val="dk1"/>
               </a:buClr>
               <a:buSzPts val="1100"/>
-              <a:buFont typeface="Arial"/>
-              <a:buNone/>
             </a:pPr>
-            <a:endParaRPr lang="en-US" sz="1100" dirty="0"/>
+            <a:endParaRPr lang="en-US" sz="1400" dirty="0"/>
           </a:p>
         </p:txBody>
       </p:sp>
@@ -7212,6 +7203,554 @@
 </file>
 
 <file path=ppt/slides/slide3.xml><?xml version="1.0" encoding="utf-8"?>
+<p:sld xmlns:a="http://schemas.openxmlformats.org/drawingml/2006/main" xmlns:r="http://schemas.openxmlformats.org/officeDocument/2006/relationships" xmlns:p="http://schemas.openxmlformats.org/presentationml/2006/main">
+  <p:cSld>
+    <p:spTree>
+      <p:nvGrpSpPr>
+        <p:cNvPr id="1" name="Shape 298"/>
+        <p:cNvGrpSpPr/>
+        <p:nvPr/>
+      </p:nvGrpSpPr>
+      <p:grpSpPr>
+        <a:xfrm>
+          <a:off x="0" y="0"/>
+          <a:ext cx="0" cy="0"/>
+          <a:chOff x="0" y="0"/>
+          <a:chExt cx="0" cy="0"/>
+        </a:xfrm>
+      </p:grpSpPr>
+      <p:sp>
+        <p:nvSpPr>
+          <p:cNvPr id="299" name="Google Shape;299;p20"/>
+          <p:cNvSpPr txBox="1">
+            <a:spLocks noGrp="1"/>
+          </p:cNvSpPr>
+          <p:nvPr>
+            <p:ph type="body" idx="1"/>
+          </p:nvPr>
+        </p:nvSpPr>
+        <p:spPr>
+          <a:xfrm>
+            <a:off x="457199" y="1672300"/>
+            <a:ext cx="5138699" cy="3155100"/>
+          </a:xfrm>
+          <a:prstGeom prst="rect">
+            <a:avLst/>
+          </a:prstGeom>
+        </p:spPr>
+        <p:txBody>
+          <a:bodyPr spcFirstLastPara="1" wrap="square" lIns="91425" tIns="91425" rIns="91425" bIns="91425" anchor="t" anchorCtr="0">
+            <a:noAutofit/>
+          </a:bodyPr>
+          <a:lstStyle/>
+          <a:p>
+            <a:pPr marL="0" lvl="0" indent="0" algn="l" rtl="0">
+              <a:spcBef>
+                <a:spcPts val="600"/>
+              </a:spcBef>
+              <a:spcAft>
+                <a:spcPts val="0"/>
+              </a:spcAft>
+              <a:buNone/>
+            </a:pPr>
+            <a:r>
+              <a:rPr lang="en-AU" b="1" dirty="0" err="1"/>
+              <a:t>Thalmic</a:t>
+            </a:r>
+            <a:r>
+              <a:rPr lang="en-AU" b="1" dirty="0"/>
+              <a:t> </a:t>
+            </a:r>
+            <a:r>
+              <a:rPr lang="en-AU" b="1" dirty="0" err="1"/>
+              <a:t>Myo</a:t>
+            </a:r>
+            <a:r>
+              <a:rPr lang="en-AU" b="1" dirty="0"/>
+              <a:t> Armband</a:t>
+            </a:r>
+            <a:endParaRPr b="1" dirty="0"/>
+          </a:p>
+          <a:p>
+            <a:pPr marL="0" lvl="0" indent="0" algn="l" rtl="0">
+              <a:spcBef>
+                <a:spcPts val="600"/>
+              </a:spcBef>
+              <a:spcAft>
+                <a:spcPts val="0"/>
+              </a:spcAft>
+              <a:buNone/>
+            </a:pPr>
+            <a:r>
+              <a:rPr lang="en" dirty="0"/>
+              <a:t>Investigated Myo rotation </a:t>
+            </a:r>
+            <a:r>
+              <a:rPr lang="en-AU" dirty="0"/>
+              <a:t>and positional tracking </a:t>
+            </a:r>
+            <a:r>
+              <a:rPr lang="en" dirty="0"/>
+              <a:t>over bluetooth. </a:t>
+            </a:r>
+          </a:p>
+          <a:p>
+            <a:pPr marL="0" lvl="0" indent="0" algn="l" rtl="0">
+              <a:spcBef>
+                <a:spcPts val="600"/>
+              </a:spcBef>
+              <a:spcAft>
+                <a:spcPts val="0"/>
+              </a:spcAft>
+              <a:buNone/>
+            </a:pPr>
+            <a:r>
+              <a:rPr lang="en" dirty="0"/>
+              <a:t>Finetuned rotation in shimmer project.</a:t>
+            </a:r>
+          </a:p>
+          <a:p>
+            <a:pPr marL="0" lvl="0" indent="0">
+              <a:buNone/>
+            </a:pPr>
+            <a:r>
+              <a:rPr lang="en-AU" b="1" dirty="0"/>
+              <a:t>WPF Application</a:t>
+            </a:r>
+          </a:p>
+          <a:p>
+            <a:pPr marL="0" lvl="0" indent="0">
+              <a:buNone/>
+            </a:pPr>
+            <a:r>
+              <a:rPr lang="en-AU" dirty="0"/>
+              <a:t>Built object in C# application, rotating with shimmer device.</a:t>
+            </a:r>
+            <a:endParaRPr dirty="0"/>
+          </a:p>
+        </p:txBody>
+      </p:sp>
+      <p:sp>
+        <p:nvSpPr>
+          <p:cNvPr id="300" name="Google Shape;300;p20"/>
+          <p:cNvSpPr txBox="1">
+            <a:spLocks noGrp="1"/>
+          </p:cNvSpPr>
+          <p:nvPr>
+            <p:ph type="title"/>
+          </p:nvPr>
+        </p:nvSpPr>
+        <p:spPr>
+          <a:xfrm>
+            <a:off x="457200" y="586975"/>
+            <a:ext cx="5138700" cy="857400"/>
+          </a:xfrm>
+          <a:prstGeom prst="rect">
+            <a:avLst/>
+          </a:prstGeom>
+        </p:spPr>
+        <p:txBody>
+          <a:bodyPr spcFirstLastPara="1" wrap="square" lIns="91425" tIns="91425" rIns="91425" bIns="91425" anchor="b" anchorCtr="0">
+            <a:noAutofit/>
+          </a:bodyPr>
+          <a:lstStyle/>
+          <a:p>
+            <a:pPr marL="0" lvl="0" indent="0" algn="ctr" rtl="0">
+              <a:spcBef>
+                <a:spcPts val="0"/>
+              </a:spcBef>
+              <a:spcAft>
+                <a:spcPts val="0"/>
+              </a:spcAft>
+              <a:buNone/>
+            </a:pPr>
+            <a:br>
+              <a:rPr lang="en-AU" dirty="0"/>
+            </a:br>
+            <a:r>
+              <a:rPr lang="en-AU" dirty="0"/>
+              <a:t>Research</a:t>
+            </a:r>
+            <a:endParaRPr dirty="0"/>
+          </a:p>
+        </p:txBody>
+      </p:sp>
+      <p:sp>
+        <p:nvSpPr>
+          <p:cNvPr id="302" name="Google Shape;302;p20"/>
+          <p:cNvSpPr txBox="1">
+            <a:spLocks noGrp="1"/>
+          </p:cNvSpPr>
+          <p:nvPr>
+            <p:ph type="sldNum" idx="12"/>
+          </p:nvPr>
+        </p:nvSpPr>
+        <p:spPr>
+          <a:xfrm>
+            <a:off x="8808000" y="2208175"/>
+            <a:ext cx="336000" cy="727200"/>
+          </a:xfrm>
+          <a:prstGeom prst="rect">
+            <a:avLst/>
+          </a:prstGeom>
+        </p:spPr>
+        <p:txBody>
+          <a:bodyPr spcFirstLastPara="1" wrap="square" lIns="91425" tIns="91425" rIns="91425" bIns="91425" anchor="ctr" anchorCtr="0">
+            <a:noAutofit/>
+          </a:bodyPr>
+          <a:lstStyle/>
+          <a:p>
+            <a:pPr marL="0" lvl="0" indent="0" algn="ctr" rtl="0">
+              <a:spcBef>
+                <a:spcPts val="0"/>
+              </a:spcBef>
+              <a:spcAft>
+                <a:spcPts val="0"/>
+              </a:spcAft>
+              <a:buNone/>
+            </a:pPr>
+            <a:fld id="{00000000-1234-1234-1234-123412341234}" type="slidenum">
+              <a:rPr lang="en"/>
+              <a:t>3</a:t>
+            </a:fld>
+            <a:endParaRPr/>
+          </a:p>
+        </p:txBody>
+      </p:sp>
+    </p:spTree>
+  </p:cSld>
+  <p:clrMapOvr>
+    <a:masterClrMapping/>
+  </p:clrMapOvr>
+</p:sld>
+</file>
+
+<file path=ppt/slides/slide4.xml><?xml version="1.0" encoding="utf-8"?>
+<p:sld xmlns:a="http://schemas.openxmlformats.org/drawingml/2006/main" xmlns:r="http://schemas.openxmlformats.org/officeDocument/2006/relationships" xmlns:p="http://schemas.openxmlformats.org/presentationml/2006/main">
+  <p:cSld>
+    <p:spTree>
+      <p:nvGrpSpPr>
+        <p:cNvPr id="1" name="Shape 306"/>
+        <p:cNvGrpSpPr/>
+        <p:nvPr/>
+      </p:nvGrpSpPr>
+      <p:grpSpPr>
+        <a:xfrm>
+          <a:off x="0" y="0"/>
+          <a:ext cx="0" cy="0"/>
+          <a:chOff x="0" y="0"/>
+          <a:chExt cx="0" cy="0"/>
+        </a:xfrm>
+      </p:grpSpPr>
+      <p:sp>
+        <p:nvSpPr>
+          <p:cNvPr id="307" name="Google Shape;307;p21"/>
+          <p:cNvSpPr txBox="1">
+            <a:spLocks noGrp="1"/>
+          </p:cNvSpPr>
+          <p:nvPr>
+            <p:ph type="title"/>
+          </p:nvPr>
+        </p:nvSpPr>
+        <p:spPr>
+          <a:xfrm>
+            <a:off x="457200" y="586975"/>
+            <a:ext cx="5138700" cy="857400"/>
+          </a:xfrm>
+          <a:prstGeom prst="rect">
+            <a:avLst/>
+          </a:prstGeom>
+        </p:spPr>
+        <p:txBody>
+          <a:bodyPr spcFirstLastPara="1" wrap="square" lIns="91425" tIns="91425" rIns="91425" bIns="91425" anchor="b" anchorCtr="0">
+            <a:noAutofit/>
+          </a:bodyPr>
+          <a:lstStyle/>
+          <a:p>
+            <a:pPr marL="0" lvl="0" indent="0" algn="ctr" rtl="0">
+              <a:spcBef>
+                <a:spcPts val="0"/>
+              </a:spcBef>
+              <a:spcAft>
+                <a:spcPts val="0"/>
+              </a:spcAft>
+              <a:buNone/>
+            </a:pPr>
+            <a:r>
+              <a:rPr lang="en-AU" dirty="0"/>
+              <a:t>Research</a:t>
+            </a:r>
+            <a:endParaRPr dirty="0"/>
+          </a:p>
+        </p:txBody>
+      </p:sp>
+      <p:sp>
+        <p:nvSpPr>
+          <p:cNvPr id="308" name="Google Shape;308;p21"/>
+          <p:cNvSpPr txBox="1">
+            <a:spLocks noGrp="1"/>
+          </p:cNvSpPr>
+          <p:nvPr>
+            <p:ph type="body" idx="1"/>
+          </p:nvPr>
+        </p:nvSpPr>
+        <p:spPr>
+          <a:xfrm>
+            <a:off x="457200" y="1661575"/>
+            <a:ext cx="1656300" cy="3055200"/>
+          </a:xfrm>
+          <a:prstGeom prst="rect">
+            <a:avLst/>
+          </a:prstGeom>
+        </p:spPr>
+        <p:txBody>
+          <a:bodyPr spcFirstLastPara="1" wrap="square" lIns="91425" tIns="91425" rIns="91425" bIns="91425" anchor="t" anchorCtr="0">
+            <a:noAutofit/>
+          </a:bodyPr>
+          <a:lstStyle/>
+          <a:p>
+            <a:pPr marL="0" lvl="0" indent="0" algn="l" rtl="0">
+              <a:spcBef>
+                <a:spcPts val="600"/>
+              </a:spcBef>
+              <a:spcAft>
+                <a:spcPts val="0"/>
+              </a:spcAft>
+              <a:buNone/>
+            </a:pPr>
+            <a:r>
+              <a:rPr lang="en-AU" b="1" dirty="0" err="1"/>
+              <a:t>Uduino</a:t>
+            </a:r>
+            <a:endParaRPr b="1" dirty="0"/>
+          </a:p>
+          <a:p>
+            <a:pPr marL="0" lvl="0" indent="0" algn="l" rtl="0">
+              <a:spcBef>
+                <a:spcPts val="600"/>
+              </a:spcBef>
+              <a:spcAft>
+                <a:spcPts val="0"/>
+              </a:spcAft>
+              <a:buNone/>
+            </a:pPr>
+            <a:r>
+              <a:rPr lang="en-AU" dirty="0"/>
+              <a:t>Rotating a 3D model in Unity using a 6 degrees of freedom IMU sensor.</a:t>
+            </a:r>
+          </a:p>
+          <a:p>
+            <a:pPr marL="0" lvl="0" indent="0" algn="l" rtl="0">
+              <a:spcBef>
+                <a:spcPts val="600"/>
+              </a:spcBef>
+              <a:spcAft>
+                <a:spcPts val="0"/>
+              </a:spcAft>
+              <a:buNone/>
+            </a:pPr>
+            <a:endParaRPr dirty="0"/>
+          </a:p>
+        </p:txBody>
+      </p:sp>
+      <p:sp>
+        <p:nvSpPr>
+          <p:cNvPr id="309" name="Google Shape;309;p21"/>
+          <p:cNvSpPr txBox="1">
+            <a:spLocks noGrp="1"/>
+          </p:cNvSpPr>
+          <p:nvPr>
+            <p:ph type="body" idx="2"/>
+          </p:nvPr>
+        </p:nvSpPr>
+        <p:spPr>
+          <a:xfrm>
+            <a:off x="2198350" y="1661575"/>
+            <a:ext cx="1656300" cy="3055200"/>
+          </a:xfrm>
+          <a:prstGeom prst="rect">
+            <a:avLst/>
+          </a:prstGeom>
+        </p:spPr>
+        <p:txBody>
+          <a:bodyPr spcFirstLastPara="1" wrap="square" lIns="91425" tIns="91425" rIns="91425" bIns="91425" anchor="t" anchorCtr="0">
+            <a:noAutofit/>
+          </a:bodyPr>
+          <a:lstStyle/>
+          <a:p>
+            <a:pPr marL="0" lvl="0" indent="0" algn="l" rtl="0">
+              <a:spcBef>
+                <a:spcPts val="600"/>
+              </a:spcBef>
+              <a:spcAft>
+                <a:spcPts val="0"/>
+              </a:spcAft>
+              <a:buNone/>
+            </a:pPr>
+            <a:r>
+              <a:rPr lang="en-AU" b="1" dirty="0"/>
+              <a:t>Blender</a:t>
+            </a:r>
+            <a:endParaRPr b="1" dirty="0"/>
+          </a:p>
+          <a:p>
+            <a:pPr marL="0" lvl="0" indent="0" algn="l" rtl="0">
+              <a:spcBef>
+                <a:spcPts val="600"/>
+              </a:spcBef>
+              <a:spcAft>
+                <a:spcPts val="0"/>
+              </a:spcAft>
+              <a:buNone/>
+            </a:pPr>
+            <a:r>
+              <a:rPr lang="en-AU" dirty="0"/>
+              <a:t>Modelled a humanoid figure in Blender to use as a prop in the unity application. </a:t>
+            </a:r>
+            <a:endParaRPr dirty="0"/>
+          </a:p>
+        </p:txBody>
+      </p:sp>
+      <p:sp>
+        <p:nvSpPr>
+          <p:cNvPr id="310" name="Google Shape;310;p21"/>
+          <p:cNvSpPr txBox="1">
+            <a:spLocks noGrp="1"/>
+          </p:cNvSpPr>
+          <p:nvPr>
+            <p:ph type="body" idx="3"/>
+          </p:nvPr>
+        </p:nvSpPr>
+        <p:spPr>
+          <a:xfrm>
+            <a:off x="3939500" y="1661575"/>
+            <a:ext cx="1656300" cy="3055200"/>
+          </a:xfrm>
+          <a:prstGeom prst="rect">
+            <a:avLst/>
+          </a:prstGeom>
+        </p:spPr>
+        <p:txBody>
+          <a:bodyPr spcFirstLastPara="1" wrap="square" lIns="91425" tIns="91425" rIns="91425" bIns="91425" anchor="t" anchorCtr="0">
+            <a:noAutofit/>
+          </a:bodyPr>
+          <a:lstStyle/>
+          <a:p>
+            <a:pPr marL="0" lvl="0" indent="0" algn="l" rtl="0">
+              <a:spcBef>
+                <a:spcPts val="600"/>
+              </a:spcBef>
+              <a:spcAft>
+                <a:spcPts val="0"/>
+              </a:spcAft>
+              <a:buNone/>
+            </a:pPr>
+            <a:r>
+              <a:rPr lang="en-AU" b="1" dirty="0"/>
+              <a:t>Device Config</a:t>
+            </a:r>
+            <a:endParaRPr b="1" dirty="0"/>
+          </a:p>
+          <a:p>
+            <a:pPr marL="0" lvl="0" indent="0" algn="l" rtl="0">
+              <a:spcBef>
+                <a:spcPts val="600"/>
+              </a:spcBef>
+              <a:spcAft>
+                <a:spcPts val="0"/>
+              </a:spcAft>
+              <a:buNone/>
+            </a:pPr>
+            <a:r>
+              <a:rPr lang="en" dirty="0"/>
+              <a:t>SDK included configuration software to set up the shimmer units.</a:t>
+            </a:r>
+          </a:p>
+          <a:p>
+            <a:pPr marL="0" lvl="0" indent="0" algn="l" rtl="0">
+              <a:spcBef>
+                <a:spcPts val="600"/>
+              </a:spcBef>
+              <a:spcAft>
+                <a:spcPts val="0"/>
+              </a:spcAft>
+              <a:buNone/>
+            </a:pPr>
+            <a:r>
+              <a:rPr lang="en" dirty="0"/>
+              <a:t>Export/Import c</a:t>
+            </a:r>
+            <a:r>
+              <a:rPr lang="en-AU" dirty="0" err="1"/>
+              <a:t>onfigs</a:t>
+            </a:r>
+            <a:endParaRPr dirty="0"/>
+          </a:p>
+          <a:p>
+            <a:pPr marL="0" lvl="0" indent="0" algn="l" rtl="0">
+              <a:spcBef>
+                <a:spcPts val="600"/>
+              </a:spcBef>
+              <a:spcAft>
+                <a:spcPts val="0"/>
+              </a:spcAft>
+              <a:buNone/>
+            </a:pPr>
+            <a:endParaRPr dirty="0"/>
+          </a:p>
+        </p:txBody>
+      </p:sp>
+      <p:sp>
+        <p:nvSpPr>
+          <p:cNvPr id="311" name="Google Shape;311;p21"/>
+          <p:cNvSpPr txBox="1">
+            <a:spLocks noGrp="1"/>
+          </p:cNvSpPr>
+          <p:nvPr>
+            <p:ph type="sldNum" idx="12"/>
+          </p:nvPr>
+        </p:nvSpPr>
+        <p:spPr>
+          <a:xfrm>
+            <a:off x="8808000" y="2208175"/>
+            <a:ext cx="336000" cy="727200"/>
+          </a:xfrm>
+          <a:prstGeom prst="rect">
+            <a:avLst/>
+          </a:prstGeom>
+        </p:spPr>
+        <p:txBody>
+          <a:bodyPr spcFirstLastPara="1" wrap="square" lIns="91425" tIns="91425" rIns="91425" bIns="91425" anchor="ctr" anchorCtr="0">
+            <a:noAutofit/>
+          </a:bodyPr>
+          <a:lstStyle/>
+          <a:p>
+            <a:pPr marL="0" lvl="0" indent="0" algn="ctr" rtl="0">
+              <a:spcBef>
+                <a:spcPts val="0"/>
+              </a:spcBef>
+              <a:spcAft>
+                <a:spcPts val="0"/>
+              </a:spcAft>
+              <a:buNone/>
+            </a:pPr>
+            <a:fld id="{00000000-1234-1234-1234-123412341234}" type="slidenum">
+              <a:rPr lang="en"/>
+              <a:t>4</a:t>
+            </a:fld>
+            <a:endParaRPr/>
+          </a:p>
+        </p:txBody>
+      </p:sp>
+    </p:spTree>
+  </p:cSld>
+  <p:clrMapOvr>
+    <a:masterClrMapping/>
+  </p:clrMapOvr>
+</p:sld>
+</file>
+
+<file path=ppt/slides/slide5.xml><?xml version="1.0" encoding="utf-8"?>
 <p:sld xmlns:a="http://schemas.openxmlformats.org/drawingml/2006/main" xmlns:r="http://schemas.openxmlformats.org/officeDocument/2006/relationships" xmlns:p="http://schemas.openxmlformats.org/presentationml/2006/main">
   <p:cSld>
     <p:spTree>
@@ -7397,7 +7936,7 @@
             </a:pPr>
             <a:fld id="{00000000-1234-1234-1234-123412341234}" type="slidenum">
               <a:rPr lang="en"/>
-              <a:t>3</a:t>
+              <a:t>5</a:t>
             </a:fld>
             <a:endParaRPr/>
           </a:p>
@@ -9421,7 +9960,7 @@
 </p:sld>
 </file>
 
-<file path=ppt/slides/slide4.xml><?xml version="1.0" encoding="utf-8"?>
+<file path=ppt/slides/slide6.xml><?xml version="1.0" encoding="utf-8"?>
 <p:sld xmlns:a="http://schemas.openxmlformats.org/drawingml/2006/main" xmlns:r="http://schemas.openxmlformats.org/officeDocument/2006/relationships" xmlns:p="http://schemas.openxmlformats.org/presentationml/2006/main">
   <p:cSld>
     <p:spTree>
@@ -9959,7 +10498,7 @@
             </a:pPr>
             <a:fld id="{00000000-1234-1234-1234-123412341234}" type="slidenum">
               <a:rPr lang="en"/>
-              <a:t>4</a:t>
+              <a:t>6</a:t>
             </a:fld>
             <a:endParaRPr/>
           </a:p>
@@ -10122,7 +10661,7 @@
 </p:sld>
 </file>
 
-<file path=ppt/slides/slide5.xml><?xml version="1.0" encoding="utf-8"?>
+<file path=ppt/slides/slide7.xml><?xml version="1.0" encoding="utf-8"?>
 <p:sld xmlns:a="http://schemas.openxmlformats.org/drawingml/2006/main" xmlns:r="http://schemas.openxmlformats.org/officeDocument/2006/relationships" xmlns:p="http://schemas.openxmlformats.org/presentationml/2006/main">
   <p:cSld>
     <p:spTree>
@@ -10660,7 +11199,7 @@
             </a:pPr>
             <a:fld id="{00000000-1234-1234-1234-123412341234}" type="slidenum">
               <a:rPr lang="en"/>
-              <a:t>5</a:t>
+              <a:t>7</a:t>
             </a:fld>
             <a:endParaRPr/>
           </a:p>
@@ -10813,7 +11352,7 @@
 </p:sld>
 </file>
 
-<file path=ppt/slides/slide6.xml><?xml version="1.0" encoding="utf-8"?>
+<file path=ppt/slides/slide8.xml><?xml version="1.0" encoding="utf-8"?>
 <p:sld xmlns:a="http://schemas.openxmlformats.org/drawingml/2006/main" xmlns:r="http://schemas.openxmlformats.org/officeDocument/2006/relationships" xmlns:p="http://schemas.openxmlformats.org/presentationml/2006/main">
   <p:cSld>
     <p:spTree>
@@ -11351,7 +11890,7 @@
             </a:pPr>
             <a:fld id="{00000000-1234-1234-1234-123412341234}" type="slidenum">
               <a:rPr lang="en"/>
-              <a:t>6</a:t>
+              <a:t>8</a:t>
             </a:fld>
             <a:endParaRPr/>
           </a:p>
@@ -11497,551 +12036,6 @@
         <p14:creationId xmlns:p14="http://schemas.microsoft.com/office/powerpoint/2010/main" val="1461288325"/>
       </p:ext>
     </p:extLst>
-  </p:cSld>
-  <p:clrMapOvr>
-    <a:masterClrMapping/>
-  </p:clrMapOvr>
-</p:sld>
-</file>
-
-<file path=ppt/slides/slide7.xml><?xml version="1.0" encoding="utf-8"?>
-<p:sld xmlns:a="http://schemas.openxmlformats.org/drawingml/2006/main" xmlns:r="http://schemas.openxmlformats.org/officeDocument/2006/relationships" xmlns:p="http://schemas.openxmlformats.org/presentationml/2006/main">
-  <p:cSld>
-    <p:spTree>
-      <p:nvGrpSpPr>
-        <p:cNvPr id="1" name="Shape 298"/>
-        <p:cNvGrpSpPr/>
-        <p:nvPr/>
-      </p:nvGrpSpPr>
-      <p:grpSpPr>
-        <a:xfrm>
-          <a:off x="0" y="0"/>
-          <a:ext cx="0" cy="0"/>
-          <a:chOff x="0" y="0"/>
-          <a:chExt cx="0" cy="0"/>
-        </a:xfrm>
-      </p:grpSpPr>
-      <p:sp>
-        <p:nvSpPr>
-          <p:cNvPr id="299" name="Google Shape;299;p20"/>
-          <p:cNvSpPr txBox="1">
-            <a:spLocks noGrp="1"/>
-          </p:cNvSpPr>
-          <p:nvPr>
-            <p:ph type="body" idx="1"/>
-          </p:nvPr>
-        </p:nvSpPr>
-        <p:spPr>
-          <a:xfrm>
-            <a:off x="457199" y="1672300"/>
-            <a:ext cx="5138699" cy="3155100"/>
-          </a:xfrm>
-          <a:prstGeom prst="rect">
-            <a:avLst/>
-          </a:prstGeom>
-        </p:spPr>
-        <p:txBody>
-          <a:bodyPr spcFirstLastPara="1" wrap="square" lIns="91425" tIns="91425" rIns="91425" bIns="91425" anchor="t" anchorCtr="0">
-            <a:noAutofit/>
-          </a:bodyPr>
-          <a:lstStyle/>
-          <a:p>
-            <a:pPr marL="0" lvl="0" indent="0" algn="l" rtl="0">
-              <a:spcBef>
-                <a:spcPts val="600"/>
-              </a:spcBef>
-              <a:spcAft>
-                <a:spcPts val="0"/>
-              </a:spcAft>
-              <a:buNone/>
-            </a:pPr>
-            <a:r>
-              <a:rPr lang="en-AU" b="1" dirty="0" err="1"/>
-              <a:t>Thalmic</a:t>
-            </a:r>
-            <a:r>
-              <a:rPr lang="en-AU" b="1" dirty="0"/>
-              <a:t> </a:t>
-            </a:r>
-            <a:r>
-              <a:rPr lang="en-AU" b="1" dirty="0" err="1"/>
-              <a:t>Myo</a:t>
-            </a:r>
-            <a:r>
-              <a:rPr lang="en-AU" b="1" dirty="0"/>
-              <a:t> Armband</a:t>
-            </a:r>
-            <a:endParaRPr b="1" dirty="0"/>
-          </a:p>
-          <a:p>
-            <a:pPr marL="0" lvl="0" indent="0" algn="l" rtl="0">
-              <a:spcBef>
-                <a:spcPts val="600"/>
-              </a:spcBef>
-              <a:spcAft>
-                <a:spcPts val="0"/>
-              </a:spcAft>
-              <a:buNone/>
-            </a:pPr>
-            <a:r>
-              <a:rPr lang="en" dirty="0"/>
-              <a:t>Investigated Myo rotation </a:t>
-            </a:r>
-            <a:r>
-              <a:rPr lang="en-AU" dirty="0"/>
-              <a:t>and positional tracking </a:t>
-            </a:r>
-            <a:r>
-              <a:rPr lang="en" dirty="0"/>
-              <a:t>over bluetooth. </a:t>
-            </a:r>
-          </a:p>
-          <a:p>
-            <a:pPr marL="0" lvl="0" indent="0" algn="l" rtl="0">
-              <a:spcBef>
-                <a:spcPts val="600"/>
-              </a:spcBef>
-              <a:spcAft>
-                <a:spcPts val="0"/>
-              </a:spcAft>
-              <a:buNone/>
-            </a:pPr>
-            <a:r>
-              <a:rPr lang="en" dirty="0"/>
-              <a:t>Finetuned rotation in shimmer project.</a:t>
-            </a:r>
-          </a:p>
-          <a:p>
-            <a:pPr marL="0" lvl="0" indent="0">
-              <a:buNone/>
-            </a:pPr>
-            <a:r>
-              <a:rPr lang="en-AU" b="1" dirty="0"/>
-              <a:t>WPF Application</a:t>
-            </a:r>
-          </a:p>
-          <a:p>
-            <a:pPr marL="0" lvl="0" indent="0">
-              <a:buNone/>
-            </a:pPr>
-            <a:r>
-              <a:rPr lang="en-AU" dirty="0"/>
-              <a:t>Built object in C# application, rotating with shimmer device.</a:t>
-            </a:r>
-            <a:endParaRPr dirty="0"/>
-          </a:p>
-        </p:txBody>
-      </p:sp>
-      <p:sp>
-        <p:nvSpPr>
-          <p:cNvPr id="300" name="Google Shape;300;p20"/>
-          <p:cNvSpPr txBox="1">
-            <a:spLocks noGrp="1"/>
-          </p:cNvSpPr>
-          <p:nvPr>
-            <p:ph type="title"/>
-          </p:nvPr>
-        </p:nvSpPr>
-        <p:spPr>
-          <a:xfrm>
-            <a:off x="457200" y="586975"/>
-            <a:ext cx="5138700" cy="857400"/>
-          </a:xfrm>
-          <a:prstGeom prst="rect">
-            <a:avLst/>
-          </a:prstGeom>
-        </p:spPr>
-        <p:txBody>
-          <a:bodyPr spcFirstLastPara="1" wrap="square" lIns="91425" tIns="91425" rIns="91425" bIns="91425" anchor="b" anchorCtr="0">
-            <a:noAutofit/>
-          </a:bodyPr>
-          <a:lstStyle/>
-          <a:p>
-            <a:pPr marL="0" lvl="0" indent="0" algn="ctr" rtl="0">
-              <a:spcBef>
-                <a:spcPts val="0"/>
-              </a:spcBef>
-              <a:spcAft>
-                <a:spcPts val="0"/>
-              </a:spcAft>
-              <a:buNone/>
-            </a:pPr>
-            <a:r>
-              <a:rPr lang="en-AU" dirty="0"/>
-              <a:t>Other Research</a:t>
-            </a:r>
-            <a:endParaRPr dirty="0"/>
-          </a:p>
-        </p:txBody>
-      </p:sp>
-      <p:sp>
-        <p:nvSpPr>
-          <p:cNvPr id="302" name="Google Shape;302;p20"/>
-          <p:cNvSpPr txBox="1">
-            <a:spLocks noGrp="1"/>
-          </p:cNvSpPr>
-          <p:nvPr>
-            <p:ph type="sldNum" idx="12"/>
-          </p:nvPr>
-        </p:nvSpPr>
-        <p:spPr>
-          <a:xfrm>
-            <a:off x="8808000" y="2208175"/>
-            <a:ext cx="336000" cy="727200"/>
-          </a:xfrm>
-          <a:prstGeom prst="rect">
-            <a:avLst/>
-          </a:prstGeom>
-        </p:spPr>
-        <p:txBody>
-          <a:bodyPr spcFirstLastPara="1" wrap="square" lIns="91425" tIns="91425" rIns="91425" bIns="91425" anchor="ctr" anchorCtr="0">
-            <a:noAutofit/>
-          </a:bodyPr>
-          <a:lstStyle/>
-          <a:p>
-            <a:pPr marL="0" lvl="0" indent="0" algn="ctr" rtl="0">
-              <a:spcBef>
-                <a:spcPts val="0"/>
-              </a:spcBef>
-              <a:spcAft>
-                <a:spcPts val="0"/>
-              </a:spcAft>
-              <a:buNone/>
-            </a:pPr>
-            <a:fld id="{00000000-1234-1234-1234-123412341234}" type="slidenum">
-              <a:rPr lang="en"/>
-              <a:t>7</a:t>
-            </a:fld>
-            <a:endParaRPr/>
-          </a:p>
-        </p:txBody>
-      </p:sp>
-    </p:spTree>
-  </p:cSld>
-  <p:clrMapOvr>
-    <a:masterClrMapping/>
-  </p:clrMapOvr>
-</p:sld>
-</file>
-
-<file path=ppt/slides/slide8.xml><?xml version="1.0" encoding="utf-8"?>
-<p:sld xmlns:a="http://schemas.openxmlformats.org/drawingml/2006/main" xmlns:r="http://schemas.openxmlformats.org/officeDocument/2006/relationships" xmlns:p="http://schemas.openxmlformats.org/presentationml/2006/main">
-  <p:cSld>
-    <p:spTree>
-      <p:nvGrpSpPr>
-        <p:cNvPr id="1" name="Shape 306"/>
-        <p:cNvGrpSpPr/>
-        <p:nvPr/>
-      </p:nvGrpSpPr>
-      <p:grpSpPr>
-        <a:xfrm>
-          <a:off x="0" y="0"/>
-          <a:ext cx="0" cy="0"/>
-          <a:chOff x="0" y="0"/>
-          <a:chExt cx="0" cy="0"/>
-        </a:xfrm>
-      </p:grpSpPr>
-      <p:sp>
-        <p:nvSpPr>
-          <p:cNvPr id="307" name="Google Shape;307;p21"/>
-          <p:cNvSpPr txBox="1">
-            <a:spLocks noGrp="1"/>
-          </p:cNvSpPr>
-          <p:nvPr>
-            <p:ph type="title"/>
-          </p:nvPr>
-        </p:nvSpPr>
-        <p:spPr>
-          <a:xfrm>
-            <a:off x="457200" y="586975"/>
-            <a:ext cx="5138700" cy="857400"/>
-          </a:xfrm>
-          <a:prstGeom prst="rect">
-            <a:avLst/>
-          </a:prstGeom>
-        </p:spPr>
-        <p:txBody>
-          <a:bodyPr spcFirstLastPara="1" wrap="square" lIns="91425" tIns="91425" rIns="91425" bIns="91425" anchor="b" anchorCtr="0">
-            <a:noAutofit/>
-          </a:bodyPr>
-          <a:lstStyle/>
-          <a:p>
-            <a:pPr marL="0" lvl="0" indent="0" algn="ctr" rtl="0">
-              <a:spcBef>
-                <a:spcPts val="0"/>
-              </a:spcBef>
-              <a:spcAft>
-                <a:spcPts val="0"/>
-              </a:spcAft>
-              <a:buNone/>
-            </a:pPr>
-            <a:r>
-              <a:rPr lang="en-AU" dirty="0"/>
-              <a:t>Other Research</a:t>
-            </a:r>
-            <a:endParaRPr dirty="0"/>
-          </a:p>
-        </p:txBody>
-      </p:sp>
-      <p:sp>
-        <p:nvSpPr>
-          <p:cNvPr id="308" name="Google Shape;308;p21"/>
-          <p:cNvSpPr txBox="1">
-            <a:spLocks noGrp="1"/>
-          </p:cNvSpPr>
-          <p:nvPr>
-            <p:ph type="body" idx="1"/>
-          </p:nvPr>
-        </p:nvSpPr>
-        <p:spPr>
-          <a:xfrm>
-            <a:off x="457200" y="1661575"/>
-            <a:ext cx="1656300" cy="3055200"/>
-          </a:xfrm>
-          <a:prstGeom prst="rect">
-            <a:avLst/>
-          </a:prstGeom>
-        </p:spPr>
-        <p:txBody>
-          <a:bodyPr spcFirstLastPara="1" wrap="square" lIns="91425" tIns="91425" rIns="91425" bIns="91425" anchor="t" anchorCtr="0">
-            <a:noAutofit/>
-          </a:bodyPr>
-          <a:lstStyle/>
-          <a:p>
-            <a:pPr marL="0" lvl="0" indent="0" algn="l" rtl="0">
-              <a:spcBef>
-                <a:spcPts val="600"/>
-              </a:spcBef>
-              <a:spcAft>
-                <a:spcPts val="0"/>
-              </a:spcAft>
-              <a:buNone/>
-            </a:pPr>
-            <a:r>
-              <a:rPr lang="en-AU" b="1" dirty="0" err="1"/>
-              <a:t>Uduino</a:t>
-            </a:r>
-            <a:endParaRPr b="1" dirty="0"/>
-          </a:p>
-          <a:p>
-            <a:pPr marL="0" lvl="0" indent="0" algn="l" rtl="0">
-              <a:spcBef>
-                <a:spcPts val="600"/>
-              </a:spcBef>
-              <a:spcAft>
-                <a:spcPts val="0"/>
-              </a:spcAft>
-              <a:buNone/>
-            </a:pPr>
-            <a:r>
-              <a:rPr lang="en-AU" dirty="0"/>
-              <a:t>Rotating a 3D model in Unity using a 6 degrees of freedom IMU sensor.</a:t>
-            </a:r>
-          </a:p>
-          <a:p>
-            <a:pPr marL="0" lvl="0" indent="0" algn="l" rtl="0">
-              <a:spcBef>
-                <a:spcPts val="600"/>
-              </a:spcBef>
-              <a:spcAft>
-                <a:spcPts val="0"/>
-              </a:spcAft>
-              <a:buNone/>
-            </a:pPr>
-            <a:endParaRPr dirty="0"/>
-          </a:p>
-        </p:txBody>
-      </p:sp>
-      <p:sp>
-        <p:nvSpPr>
-          <p:cNvPr id="309" name="Google Shape;309;p21"/>
-          <p:cNvSpPr txBox="1">
-            <a:spLocks noGrp="1"/>
-          </p:cNvSpPr>
-          <p:nvPr>
-            <p:ph type="body" idx="2"/>
-          </p:nvPr>
-        </p:nvSpPr>
-        <p:spPr>
-          <a:xfrm>
-            <a:off x="2198350" y="1661575"/>
-            <a:ext cx="1656300" cy="3055200"/>
-          </a:xfrm>
-          <a:prstGeom prst="rect">
-            <a:avLst/>
-          </a:prstGeom>
-        </p:spPr>
-        <p:txBody>
-          <a:bodyPr spcFirstLastPara="1" wrap="square" lIns="91425" tIns="91425" rIns="91425" bIns="91425" anchor="t" anchorCtr="0">
-            <a:noAutofit/>
-          </a:bodyPr>
-          <a:lstStyle/>
-          <a:p>
-            <a:pPr marL="0" lvl="0" indent="0" algn="l" rtl="0">
-              <a:spcBef>
-                <a:spcPts val="600"/>
-              </a:spcBef>
-              <a:spcAft>
-                <a:spcPts val="0"/>
-              </a:spcAft>
-              <a:buNone/>
-            </a:pPr>
-            <a:r>
-              <a:rPr lang="en-AU" b="1" dirty="0"/>
-              <a:t>Blender</a:t>
-            </a:r>
-            <a:endParaRPr b="1" dirty="0"/>
-          </a:p>
-          <a:p>
-            <a:pPr marL="0" lvl="0" indent="0" algn="l" rtl="0">
-              <a:spcBef>
-                <a:spcPts val="600"/>
-              </a:spcBef>
-              <a:spcAft>
-                <a:spcPts val="0"/>
-              </a:spcAft>
-              <a:buNone/>
-            </a:pPr>
-            <a:r>
-              <a:rPr lang="en-AU" dirty="0"/>
-              <a:t>Modelled a humanoid figure in Blender to use as a prop in the unity application. </a:t>
-            </a:r>
-            <a:endParaRPr dirty="0"/>
-          </a:p>
-        </p:txBody>
-      </p:sp>
-      <p:sp>
-        <p:nvSpPr>
-          <p:cNvPr id="310" name="Google Shape;310;p21"/>
-          <p:cNvSpPr txBox="1">
-            <a:spLocks noGrp="1"/>
-          </p:cNvSpPr>
-          <p:nvPr>
-            <p:ph type="body" idx="3"/>
-          </p:nvPr>
-        </p:nvSpPr>
-        <p:spPr>
-          <a:xfrm>
-            <a:off x="3939500" y="1661575"/>
-            <a:ext cx="1656300" cy="3055200"/>
-          </a:xfrm>
-          <a:prstGeom prst="rect">
-            <a:avLst/>
-          </a:prstGeom>
-        </p:spPr>
-        <p:txBody>
-          <a:bodyPr spcFirstLastPara="1" wrap="square" lIns="91425" tIns="91425" rIns="91425" bIns="91425" anchor="t" anchorCtr="0">
-            <a:noAutofit/>
-          </a:bodyPr>
-          <a:lstStyle/>
-          <a:p>
-            <a:pPr marL="0" lvl="0" indent="0" algn="l" rtl="0">
-              <a:spcBef>
-                <a:spcPts val="600"/>
-              </a:spcBef>
-              <a:spcAft>
-                <a:spcPts val="0"/>
-              </a:spcAft>
-              <a:buNone/>
-            </a:pPr>
-            <a:r>
-              <a:rPr lang="en-AU" b="1" dirty="0"/>
-              <a:t>Device Config</a:t>
-            </a:r>
-            <a:endParaRPr b="1" dirty="0"/>
-          </a:p>
-          <a:p>
-            <a:pPr marL="0" lvl="0" indent="0" algn="l" rtl="0">
-              <a:spcBef>
-                <a:spcPts val="600"/>
-              </a:spcBef>
-              <a:spcAft>
-                <a:spcPts val="0"/>
-              </a:spcAft>
-              <a:buNone/>
-            </a:pPr>
-            <a:r>
-              <a:rPr lang="en" dirty="0"/>
-              <a:t>SDK included configuration software to set up the shimmer units.</a:t>
-            </a:r>
-          </a:p>
-          <a:p>
-            <a:pPr marL="0" lvl="0" indent="0" algn="l" rtl="0">
-              <a:spcBef>
-                <a:spcPts val="600"/>
-              </a:spcBef>
-              <a:spcAft>
-                <a:spcPts val="0"/>
-              </a:spcAft>
-              <a:buNone/>
-            </a:pPr>
-            <a:r>
-              <a:rPr lang="en" dirty="0"/>
-              <a:t>Export/Import c</a:t>
-            </a:r>
-            <a:r>
-              <a:rPr lang="en-AU" dirty="0" err="1"/>
-              <a:t>onfigs</a:t>
-            </a:r>
-            <a:endParaRPr dirty="0"/>
-          </a:p>
-          <a:p>
-            <a:pPr marL="0" lvl="0" indent="0" algn="l" rtl="0">
-              <a:spcBef>
-                <a:spcPts val="600"/>
-              </a:spcBef>
-              <a:spcAft>
-                <a:spcPts val="0"/>
-              </a:spcAft>
-              <a:buNone/>
-            </a:pPr>
-            <a:endParaRPr dirty="0"/>
-          </a:p>
-        </p:txBody>
-      </p:sp>
-      <p:sp>
-        <p:nvSpPr>
-          <p:cNvPr id="311" name="Google Shape;311;p21"/>
-          <p:cNvSpPr txBox="1">
-            <a:spLocks noGrp="1"/>
-          </p:cNvSpPr>
-          <p:nvPr>
-            <p:ph type="sldNum" idx="12"/>
-          </p:nvPr>
-        </p:nvSpPr>
-        <p:spPr>
-          <a:xfrm>
-            <a:off x="8808000" y="2208175"/>
-            <a:ext cx="336000" cy="727200"/>
-          </a:xfrm>
-          <a:prstGeom prst="rect">
-            <a:avLst/>
-          </a:prstGeom>
-        </p:spPr>
-        <p:txBody>
-          <a:bodyPr spcFirstLastPara="1" wrap="square" lIns="91425" tIns="91425" rIns="91425" bIns="91425" anchor="ctr" anchorCtr="0">
-            <a:noAutofit/>
-          </a:bodyPr>
-          <a:lstStyle/>
-          <a:p>
-            <a:pPr marL="0" lvl="0" indent="0" algn="ctr" rtl="0">
-              <a:spcBef>
-                <a:spcPts val="0"/>
-              </a:spcBef>
-              <a:spcAft>
-                <a:spcPts val="0"/>
-              </a:spcAft>
-              <a:buNone/>
-            </a:pPr>
-            <a:fld id="{00000000-1234-1234-1234-123412341234}" type="slidenum">
-              <a:rPr lang="en"/>
-              <a:t>8</a:t>
-            </a:fld>
-            <a:endParaRPr/>
-          </a:p>
-        </p:txBody>
-      </p:sp>
-    </p:spTree>
   </p:cSld>
   <p:clrMapOvr>
     <a:masterClrMapping/>
